--- a/5_seminar/Contents_Part_03/Präsentation_Teil3.pptx
+++ b/5_seminar/Contents_Part_03/Präsentation_Teil3.pptx
@@ -5,7 +5,7 @@
     <p:sldMasterId id="2147483648" r:id="rId1"/>
   </p:sldMasterIdLst>
   <p:notesMasterIdLst>
-    <p:notesMasterId r:id="rId26"/>
+    <p:notesMasterId r:id="rId25"/>
   </p:notesMasterIdLst>
   <p:sldIdLst>
     <p:sldId id="256" r:id="rId2"/>
@@ -15,23 +15,22 @@
     <p:sldId id="276" r:id="rId6"/>
     <p:sldId id="286" r:id="rId7"/>
     <p:sldId id="290" r:id="rId8"/>
-    <p:sldId id="289" r:id="rId9"/>
-    <p:sldId id="285" r:id="rId10"/>
-    <p:sldId id="288" r:id="rId11"/>
-    <p:sldId id="277" r:id="rId12"/>
-    <p:sldId id="292" r:id="rId13"/>
-    <p:sldId id="291" r:id="rId14"/>
-    <p:sldId id="293" r:id="rId15"/>
-    <p:sldId id="278" r:id="rId16"/>
-    <p:sldId id="280" r:id="rId17"/>
-    <p:sldId id="281" r:id="rId18"/>
-    <p:sldId id="282" r:id="rId19"/>
-    <p:sldId id="283" r:id="rId20"/>
-    <p:sldId id="284" r:id="rId21"/>
-    <p:sldId id="272" r:id="rId22"/>
-    <p:sldId id="267" r:id="rId23"/>
-    <p:sldId id="273" r:id="rId24"/>
-    <p:sldId id="279" r:id="rId25"/>
+    <p:sldId id="285" r:id="rId9"/>
+    <p:sldId id="288" r:id="rId10"/>
+    <p:sldId id="277" r:id="rId11"/>
+    <p:sldId id="292" r:id="rId12"/>
+    <p:sldId id="291" r:id="rId13"/>
+    <p:sldId id="293" r:id="rId14"/>
+    <p:sldId id="278" r:id="rId15"/>
+    <p:sldId id="280" r:id="rId16"/>
+    <p:sldId id="281" r:id="rId17"/>
+    <p:sldId id="282" r:id="rId18"/>
+    <p:sldId id="283" r:id="rId19"/>
+    <p:sldId id="284" r:id="rId20"/>
+    <p:sldId id="272" r:id="rId21"/>
+    <p:sldId id="267" r:id="rId22"/>
+    <p:sldId id="273" r:id="rId23"/>
+    <p:sldId id="279" r:id="rId24"/>
   </p:sldIdLst>
   <p:sldSz cx="12192000" cy="6858000"/>
   <p:notesSz cx="6858000" cy="9144000"/>
@@ -220,7 +219,7 @@
           <a:p>
             <a:fld id="{7A5B87F2-13FD-4A24-9F19-39B31C60B536}" type="datetimeFigureOut">
               <a:rPr lang="en-US" smtClean="0"/>
-              <a:t>3/30/2021</a:t>
+              <a:t>3/31/2021</a:t>
             </a:fld>
             <a:endParaRPr lang="en-US"/>
           </a:p>
@@ -645,15 +644,79 @@
           <a:p>
             <a:r>
               <a:rPr lang="en-US" dirty="0" err="1" smtClean="0"/>
-              <a:t>Ausblick</a:t>
+              <a:t>Quanteda</a:t>
             </a:r>
             <a:r>
               <a:rPr lang="en-US" dirty="0" smtClean="0"/>
-              <a:t>: multiclass</a:t>
+              <a:t>:</a:t>
             </a:r>
             <a:r>
               <a:rPr lang="en-US" baseline="0" dirty="0" smtClean="0"/>
-              <a:t> </a:t>
+              <a:t> all-comprising</a:t>
+            </a:r>
+          </a:p>
+          <a:p>
+            <a:r>
+              <a:rPr lang="en-US" dirty="0" err="1" smtClean="0"/>
+              <a:t>Stringr</a:t>
+            </a:r>
+            <a:r>
+              <a:rPr lang="en-US" dirty="0" smtClean="0"/>
+              <a:t>: many</a:t>
+            </a:r>
+            <a:r>
+              <a:rPr lang="en-US" baseline="0" dirty="0" smtClean="0"/>
+              <a:t> useful pattern matching functions</a:t>
+            </a:r>
+          </a:p>
+          <a:p>
+            <a:r>
+              <a:rPr lang="en-US" baseline="0" dirty="0" smtClean="0"/>
+              <a:t>Text2vec: Transforms: </a:t>
+            </a:r>
+            <a:r>
+              <a:rPr lang="en-US" dirty="0" smtClean="0"/>
+              <a:t>basis for ML algorithms for textual data, , </a:t>
+            </a:r>
+            <a:r>
+              <a:rPr lang="en-US" baseline="0" dirty="0" err="1" smtClean="0"/>
+              <a:t>dtm</a:t>
+            </a:r>
+            <a:r>
+              <a:rPr lang="en-US" baseline="0" dirty="0" smtClean="0"/>
+              <a:t>: document term matrix, </a:t>
+            </a:r>
+            <a:r>
+              <a:rPr lang="en-US" baseline="0" dirty="0" err="1" smtClean="0"/>
+              <a:t>tcm</a:t>
+            </a:r>
+            <a:r>
+              <a:rPr lang="en-US" baseline="0" dirty="0" smtClean="0"/>
+              <a:t>: term co-occurrence matrix, </a:t>
+            </a:r>
+            <a:r>
+              <a:rPr lang="en-GB" sz="1200" b="0" i="0" kern="1200" dirty="0" err="1" smtClean="0">
+                <a:solidFill>
+                  <a:schemeClr val="tx1"/>
+                </a:solidFill>
+                <a:effectLst/>
+                <a:latin typeface="+mn-lt"/>
+                <a:ea typeface="+mn-ea"/>
+                <a:cs typeface="+mn-cs"/>
+              </a:rPr>
+              <a:t>vectorize</a:t>
+            </a:r>
+            <a:r>
+              <a:rPr lang="en-GB" sz="1200" b="0" i="0" kern="1200" dirty="0" smtClean="0">
+                <a:solidFill>
+                  <a:schemeClr val="tx1"/>
+                </a:solidFill>
+                <a:effectLst/>
+                <a:latin typeface="+mn-lt"/>
+                <a:ea typeface="+mn-ea"/>
+                <a:cs typeface="+mn-cs"/>
+              </a:rPr>
+              <a:t> text by creating a map from words or n-grams to a vector space</a:t>
             </a:r>
             <a:endParaRPr lang="en-US" dirty="0"/>
           </a:p>
@@ -676,7 +739,7 @@
           <a:p>
             <a:fld id="{20A41429-B750-4047-B563-2878417A70E7}" type="slidenum">
               <a:rPr lang="en-US" smtClean="0"/>
-              <a:t>13</a:t>
+              <a:t>14</a:t>
             </a:fld>
             <a:endParaRPr lang="en-US"/>
           </a:p>
@@ -685,7 +748,7 @@
     </p:spTree>
     <p:extLst>
       <p:ext uri="{BB962C8B-B14F-4D97-AF65-F5344CB8AC3E}">
-        <p14:creationId xmlns:p14="http://schemas.microsoft.com/office/powerpoint/2010/main" val="3422860377"/>
+        <p14:creationId xmlns:p14="http://schemas.microsoft.com/office/powerpoint/2010/main" val="88778469"/>
       </p:ext>
     </p:extLst>
   </p:cSld>
@@ -845,7 +908,7 @@
     </p:spTree>
     <p:extLst>
       <p:ext uri="{BB962C8B-B14F-4D97-AF65-F5344CB8AC3E}">
-        <p14:creationId xmlns:p14="http://schemas.microsoft.com/office/powerpoint/2010/main" val="88778469"/>
+        <p14:creationId xmlns:p14="http://schemas.microsoft.com/office/powerpoint/2010/main" val="2447288533"/>
       </p:ext>
     </p:extLst>
   </p:cSld>
@@ -899,166 +962,6 @@
           <a:bodyPr/>
           <a:lstStyle/>
           <a:p>
-            <a:r>
-              <a:rPr lang="en-US" dirty="0" err="1" smtClean="0"/>
-              <a:t>Quanteda</a:t>
-            </a:r>
-            <a:r>
-              <a:rPr lang="en-US" dirty="0" smtClean="0"/>
-              <a:t>:</a:t>
-            </a:r>
-            <a:r>
-              <a:rPr lang="en-US" baseline="0" dirty="0" smtClean="0"/>
-              <a:t> all-comprising</a:t>
-            </a:r>
-          </a:p>
-          <a:p>
-            <a:r>
-              <a:rPr lang="en-US" dirty="0" err="1" smtClean="0"/>
-              <a:t>Stringr</a:t>
-            </a:r>
-            <a:r>
-              <a:rPr lang="en-US" dirty="0" smtClean="0"/>
-              <a:t>: many</a:t>
-            </a:r>
-            <a:r>
-              <a:rPr lang="en-US" baseline="0" dirty="0" smtClean="0"/>
-              <a:t> useful pattern matching functions</a:t>
-            </a:r>
-          </a:p>
-          <a:p>
-            <a:r>
-              <a:rPr lang="en-US" baseline="0" dirty="0" smtClean="0"/>
-              <a:t>Text2vec: Transforms: </a:t>
-            </a:r>
-            <a:r>
-              <a:rPr lang="en-US" dirty="0" smtClean="0"/>
-              <a:t>basis for ML algorithms for textual data, , </a:t>
-            </a:r>
-            <a:r>
-              <a:rPr lang="en-US" baseline="0" dirty="0" err="1" smtClean="0"/>
-              <a:t>dtm</a:t>
-            </a:r>
-            <a:r>
-              <a:rPr lang="en-US" baseline="0" dirty="0" smtClean="0"/>
-              <a:t>: document term matrix, </a:t>
-            </a:r>
-            <a:r>
-              <a:rPr lang="en-US" baseline="0" dirty="0" err="1" smtClean="0"/>
-              <a:t>tcm</a:t>
-            </a:r>
-            <a:r>
-              <a:rPr lang="en-US" baseline="0" dirty="0" smtClean="0"/>
-              <a:t>: term co-occurrence matrix, </a:t>
-            </a:r>
-            <a:r>
-              <a:rPr lang="en-GB" sz="1200" b="0" i="0" kern="1200" dirty="0" err="1" smtClean="0">
-                <a:solidFill>
-                  <a:schemeClr val="tx1"/>
-                </a:solidFill>
-                <a:effectLst/>
-                <a:latin typeface="+mn-lt"/>
-                <a:ea typeface="+mn-ea"/>
-                <a:cs typeface="+mn-cs"/>
-              </a:rPr>
-              <a:t>vectorize</a:t>
-            </a:r>
-            <a:r>
-              <a:rPr lang="en-GB" sz="1200" b="0" i="0" kern="1200" dirty="0" smtClean="0">
-                <a:solidFill>
-                  <a:schemeClr val="tx1"/>
-                </a:solidFill>
-                <a:effectLst/>
-                <a:latin typeface="+mn-lt"/>
-                <a:ea typeface="+mn-ea"/>
-                <a:cs typeface="+mn-cs"/>
-              </a:rPr>
-              <a:t> text by creating a map from words or n-grams to a vector space</a:t>
-            </a:r>
-            <a:endParaRPr lang="en-US" dirty="0"/>
-          </a:p>
-        </p:txBody>
-      </p:sp>
-      <p:sp>
-        <p:nvSpPr>
-          <p:cNvPr id="4" name="Foliennummernplatzhalter 3"/>
-          <p:cNvSpPr>
-            <a:spLocks noGrp="1"/>
-          </p:cNvSpPr>
-          <p:nvPr>
-            <p:ph type="sldNum" sz="quarter" idx="10"/>
-          </p:nvPr>
-        </p:nvSpPr>
-        <p:spPr/>
-        <p:txBody>
-          <a:bodyPr/>
-          <a:lstStyle/>
-          <a:p>
-            <a:fld id="{20A41429-B750-4047-B563-2878417A70E7}" type="slidenum">
-              <a:rPr lang="en-US" smtClean="0"/>
-              <a:t>16</a:t>
-            </a:fld>
-            <a:endParaRPr lang="en-US"/>
-          </a:p>
-        </p:txBody>
-      </p:sp>
-    </p:spTree>
-    <p:extLst>
-      <p:ext uri="{BB962C8B-B14F-4D97-AF65-F5344CB8AC3E}">
-        <p14:creationId xmlns:p14="http://schemas.microsoft.com/office/powerpoint/2010/main" val="2447288533"/>
-      </p:ext>
-    </p:extLst>
-  </p:cSld>
-  <p:clrMapOvr>
-    <a:masterClrMapping/>
-  </p:clrMapOvr>
-</p:notes>
-</file>
-
-<file path=ppt/notesSlides/notesSlide13.xml><?xml version="1.0" encoding="utf-8"?>
-<p:notes xmlns:a="http://schemas.openxmlformats.org/drawingml/2006/main" xmlns:r="http://schemas.openxmlformats.org/officeDocument/2006/relationships" xmlns:p="http://schemas.openxmlformats.org/presentationml/2006/main">
-  <p:cSld>
-    <p:spTree>
-      <p:nvGrpSpPr>
-        <p:cNvPr id="1" name=""/>
-        <p:cNvGrpSpPr/>
-        <p:nvPr/>
-      </p:nvGrpSpPr>
-      <p:grpSpPr>
-        <a:xfrm>
-          <a:off x="0" y="0"/>
-          <a:ext cx="0" cy="0"/>
-          <a:chOff x="0" y="0"/>
-          <a:chExt cx="0" cy="0"/>
-        </a:xfrm>
-      </p:grpSpPr>
-      <p:sp>
-        <p:nvSpPr>
-          <p:cNvPr id="2" name="Folienbildplatzhalter 1"/>
-          <p:cNvSpPr>
-            <a:spLocks noGrp="1" noRot="1" noChangeAspect="1"/>
-          </p:cNvSpPr>
-          <p:nvPr>
-            <p:ph type="sldImg"/>
-          </p:nvPr>
-        </p:nvSpPr>
-        <p:spPr/>
-      </p:sp>
-      <p:sp>
-        <p:nvSpPr>
-          <p:cNvPr id="3" name="Notizenplatzhalter 2"/>
-          <p:cNvSpPr>
-            <a:spLocks noGrp="1"/>
-          </p:cNvSpPr>
-          <p:nvPr>
-            <p:ph type="body" idx="1"/>
-          </p:nvPr>
-        </p:nvSpPr>
-        <p:spPr/>
-        <p:txBody>
-          <a:bodyPr/>
-          <a:lstStyle/>
-          <a:p>
             <a:pPr marL="0" marR="0" lvl="0" indent="0" algn="l" defTabSz="914400" rtl="0" eaLnBrk="1" fontAlgn="auto" latinLnBrk="0" hangingPunct="1">
               <a:lnSpc>
                 <a:spcPct val="100000"/>
@@ -1196,7 +1099,7 @@
           <a:p>
             <a:fld id="{20A41429-B750-4047-B563-2878417A70E7}" type="slidenum">
               <a:rPr lang="en-US" smtClean="0"/>
-              <a:t>17</a:t>
+              <a:t>16</a:t>
             </a:fld>
             <a:endParaRPr lang="en-US"/>
           </a:p>
@@ -1624,34 +1527,38 @@
           <a:lstStyle/>
           <a:p>
             <a:r>
-              <a:rPr lang="de-DE" dirty="0" smtClean="0"/>
-              <a:t>Absolute </a:t>
-            </a:r>
-            <a:r>
-              <a:rPr lang="de-DE" dirty="0" err="1" smtClean="0"/>
-              <a:t>Haufigkeitstabelle</a:t>
-            </a:r>
-            <a:r>
-              <a:rPr lang="de-DE" dirty="0" smtClean="0"/>
-              <a:t> für jedes Wort, das in einem Dokument vorkommt. Jede Zeile stellt gleichzeitig die jeweilige </a:t>
-            </a:r>
-            <a:r>
-              <a:rPr lang="de-DE" dirty="0" err="1" smtClean="0"/>
-              <a:t>Dokumentreprasentation</a:t>
-            </a:r>
-            <a:r>
-              <a:rPr lang="de-DE" dirty="0" smtClean="0"/>
-              <a:t> im </a:t>
-            </a:r>
-            <a:r>
-              <a:rPr lang="de-DE" dirty="0" err="1" smtClean="0"/>
-              <a:t>BoW</a:t>
-            </a:r>
-            <a:r>
-              <a:rPr lang="de-DE" dirty="0" smtClean="0"/>
-              <a:t>-Modell dar</a:t>
-            </a:r>
-            <a:endParaRPr lang="en-US" dirty="0"/>
+              <a:rPr lang="en-US" dirty="0" smtClean="0"/>
+              <a:t>Word embedding mapping from word space to n dimensional vector space,</a:t>
+            </a:r>
+            <a:r>
+              <a:rPr lang="en-US" baseline="0" dirty="0" smtClean="0"/>
+              <a:t> </a:t>
+            </a:r>
+            <a:r>
+              <a:rPr lang="en-GB" sz="1200" b="0" i="0" u="none" strike="noStrike" kern="1200" baseline="0" dirty="0" smtClean="0">
+                <a:solidFill>
+                  <a:schemeClr val="tx1"/>
+                </a:solidFill>
+                <a:latin typeface="+mn-lt"/>
+                <a:ea typeface="+mn-ea"/>
+                <a:cs typeface="+mn-cs"/>
+              </a:rPr>
+              <a:t>projecting the textual contents into Vector Space</a:t>
+            </a:r>
+          </a:p>
+          <a:p>
+            <a:r>
+              <a:rPr lang="en-GB" sz="1200" b="0" i="0" u="none" strike="noStrike" kern="1200" baseline="0" dirty="0" smtClean="0">
+                <a:solidFill>
+                  <a:schemeClr val="tx1"/>
+                </a:solidFill>
+                <a:latin typeface="+mn-lt"/>
+                <a:ea typeface="+mn-ea"/>
+                <a:cs typeface="+mn-cs"/>
+              </a:rPr>
+              <a:t>Model, where text data is converted into vectors of numbers</a:t>
+            </a:r>
+            <a:endParaRPr lang="en-US" b="0" dirty="0"/>
           </a:p>
         </p:txBody>
       </p:sp>
@@ -1681,7 +1588,7 @@
     </p:spTree>
     <p:extLst>
       <p:ext uri="{BB962C8B-B14F-4D97-AF65-F5344CB8AC3E}">
-        <p14:creationId xmlns:p14="http://schemas.microsoft.com/office/powerpoint/2010/main" val="573897212"/>
+        <p14:creationId xmlns:p14="http://schemas.microsoft.com/office/powerpoint/2010/main" val="1015690192"/>
       </p:ext>
     </p:extLst>
   </p:cSld>
@@ -1736,38 +1643,26 @@
           <a:lstStyle/>
           <a:p>
             <a:r>
+              <a:rPr lang="en-US" dirty="0" err="1" smtClean="0"/>
+              <a:t>Ausblick</a:t>
+            </a:r>
+            <a:r>
               <a:rPr lang="en-US" dirty="0" smtClean="0"/>
-              <a:t>Word embedding mapping from word space to n dimensional vector space,</a:t>
+              <a:t>:</a:t>
             </a:r>
             <a:r>
               <a:rPr lang="en-US" baseline="0" dirty="0" smtClean="0"/>
               <a:t> </a:t>
             </a:r>
             <a:r>
-              <a:rPr lang="en-GB" sz="1200" b="0" i="0" u="none" strike="noStrike" kern="1200" baseline="0" dirty="0" smtClean="0">
-                <a:solidFill>
-                  <a:schemeClr val="tx1"/>
-                </a:solidFill>
-                <a:latin typeface="+mn-lt"/>
-                <a:ea typeface="+mn-ea"/>
-                <a:cs typeface="+mn-cs"/>
-              </a:rPr>
-              <a:t>projecting the textual contents into Vector Space</a:t>
-            </a:r>
-          </a:p>
-          <a:p>
-            <a:r>
-              <a:rPr lang="en-GB" sz="1200" b="0" i="0" u="none" strike="noStrike" kern="1200" baseline="0" dirty="0" smtClean="0">
-                <a:solidFill>
-                  <a:schemeClr val="tx1"/>
-                </a:solidFill>
-                <a:latin typeface="+mn-lt"/>
-                <a:ea typeface="+mn-ea"/>
-                <a:cs typeface="+mn-cs"/>
-              </a:rPr>
-              <a:t>Model, where text data is converted into vectors of numbers</a:t>
-            </a:r>
-            <a:endParaRPr lang="en-US" b="0" dirty="0"/>
+              <a:rPr lang="en-US" baseline="0" dirty="0" err="1" smtClean="0"/>
+              <a:t>Buchstaben</a:t>
+            </a:r>
+            <a:r>
+              <a:rPr lang="en-US" baseline="0" dirty="0" smtClean="0"/>
+              <a:t>-Level</a:t>
+            </a:r>
+            <a:endParaRPr lang="en-US" dirty="0"/>
           </a:p>
         </p:txBody>
       </p:sp>
@@ -1797,7 +1692,7 @@
     </p:spTree>
     <p:extLst>
       <p:ext uri="{BB962C8B-B14F-4D97-AF65-F5344CB8AC3E}">
-        <p14:creationId xmlns:p14="http://schemas.microsoft.com/office/powerpoint/2010/main" val="1015690192"/>
+        <p14:creationId xmlns:p14="http://schemas.microsoft.com/office/powerpoint/2010/main" val="754883136"/>
       </p:ext>
     </p:extLst>
   </p:cSld>
@@ -1857,19 +1752,11 @@
             </a:r>
             <a:r>
               <a:rPr lang="en-US" dirty="0" smtClean="0"/>
-              <a:t>:</a:t>
+              <a:t>: multiclass</a:t>
             </a:r>
             <a:r>
               <a:rPr lang="en-US" baseline="0" dirty="0" smtClean="0"/>
               <a:t> </a:t>
-            </a:r>
-            <a:r>
-              <a:rPr lang="en-US" baseline="0" dirty="0" err="1" smtClean="0"/>
-              <a:t>Buchstaben</a:t>
-            </a:r>
-            <a:r>
-              <a:rPr lang="en-US" baseline="0" dirty="0" smtClean="0"/>
-              <a:t>-Level</a:t>
             </a:r>
             <a:endParaRPr lang="en-US" dirty="0"/>
           </a:p>
@@ -1901,7 +1788,7 @@
     </p:spTree>
     <p:extLst>
       <p:ext uri="{BB962C8B-B14F-4D97-AF65-F5344CB8AC3E}">
-        <p14:creationId xmlns:p14="http://schemas.microsoft.com/office/powerpoint/2010/main" val="754883136"/>
+        <p14:creationId xmlns:p14="http://schemas.microsoft.com/office/powerpoint/2010/main" val="211223559"/>
       </p:ext>
     </p:extLst>
   </p:cSld>
@@ -1997,7 +1884,7 @@
     </p:spTree>
     <p:extLst>
       <p:ext uri="{BB962C8B-B14F-4D97-AF65-F5344CB8AC3E}">
-        <p14:creationId xmlns:p14="http://schemas.microsoft.com/office/powerpoint/2010/main" val="211223559"/>
+        <p14:creationId xmlns:p14="http://schemas.microsoft.com/office/powerpoint/2010/main" val="2553570059"/>
       </p:ext>
     </p:extLst>
   </p:cSld>
@@ -2093,7 +1980,7 @@
     </p:spTree>
     <p:extLst>
       <p:ext uri="{BB962C8B-B14F-4D97-AF65-F5344CB8AC3E}">
-        <p14:creationId xmlns:p14="http://schemas.microsoft.com/office/powerpoint/2010/main" val="2553570059"/>
+        <p14:creationId xmlns:p14="http://schemas.microsoft.com/office/powerpoint/2010/main" val="3422860377"/>
       </p:ext>
     </p:extLst>
   </p:cSld>
@@ -2234,7 +2121,7 @@
           <a:p>
             <a:fld id="{5A1811BA-6AD9-41A7-B7A2-456C8523519C}" type="datetime1">
               <a:rPr lang="en-US" smtClean="0"/>
-              <a:t>3/30/2021</a:t>
+              <a:t>3/31/2021</a:t>
             </a:fld>
             <a:endParaRPr lang="en-US"/>
           </a:p>
@@ -2404,7 +2291,7 @@
           <a:p>
             <a:fld id="{B0494441-C196-4BB0-93EE-AF22360207AB}" type="datetime1">
               <a:rPr lang="en-US" smtClean="0"/>
-              <a:t>3/30/2021</a:t>
+              <a:t>3/31/2021</a:t>
             </a:fld>
             <a:endParaRPr lang="en-US"/>
           </a:p>
@@ -2584,7 +2471,7 @@
           <a:p>
             <a:fld id="{D7B9282B-C3CE-4F56-8DD1-5349F982F1D2}" type="datetime1">
               <a:rPr lang="en-US" smtClean="0"/>
-              <a:t>3/30/2021</a:t>
+              <a:t>3/31/2021</a:t>
             </a:fld>
             <a:endParaRPr lang="en-US"/>
           </a:p>
@@ -2754,7 +2641,7 @@
           <a:p>
             <a:fld id="{E6E86D6A-786F-4E85-AF3B-385015383ABA}" type="datetime1">
               <a:rPr lang="en-US" smtClean="0"/>
-              <a:t>3/30/2021</a:t>
+              <a:t>3/31/2021</a:t>
             </a:fld>
             <a:endParaRPr lang="en-US"/>
           </a:p>
@@ -3000,7 +2887,7 @@
           <a:p>
             <a:fld id="{051FFEB0-9C80-4A34-A5C7-72D52D52FC7D}" type="datetime1">
               <a:rPr lang="en-US" smtClean="0"/>
-              <a:t>3/30/2021</a:t>
+              <a:t>3/31/2021</a:t>
             </a:fld>
             <a:endParaRPr lang="en-US"/>
           </a:p>
@@ -3232,7 +3119,7 @@
           <a:p>
             <a:fld id="{084267AD-C299-471B-ABA1-D0EA94C7EDCF}" type="datetime1">
               <a:rPr lang="en-US" smtClean="0"/>
-              <a:t>3/30/2021</a:t>
+              <a:t>3/31/2021</a:t>
             </a:fld>
             <a:endParaRPr lang="en-US"/>
           </a:p>
@@ -3599,7 +3486,7 @@
           <a:p>
             <a:fld id="{6468DBC7-10F8-46A1-8CE1-DBB0A6F0EF3E}" type="datetime1">
               <a:rPr lang="en-US" smtClean="0"/>
-              <a:t>3/30/2021</a:t>
+              <a:t>3/31/2021</a:t>
             </a:fld>
             <a:endParaRPr lang="en-US"/>
           </a:p>
@@ -3717,7 +3604,7 @@
           <a:p>
             <a:fld id="{0A97ED80-8DDA-43A7-A78F-B0542D691D0E}" type="datetime1">
               <a:rPr lang="en-US" smtClean="0"/>
-              <a:t>3/30/2021</a:t>
+              <a:t>3/31/2021</a:t>
             </a:fld>
             <a:endParaRPr lang="en-US"/>
           </a:p>
@@ -3812,7 +3699,7 @@
           <a:p>
             <a:fld id="{0AF827E6-45BA-40D2-98F2-BE4FFF095577}" type="datetime1">
               <a:rPr lang="en-US" smtClean="0"/>
-              <a:t>3/30/2021</a:t>
+              <a:t>3/31/2021</a:t>
             </a:fld>
             <a:endParaRPr lang="en-US"/>
           </a:p>
@@ -4089,7 +3976,7 @@
           <a:p>
             <a:fld id="{42BD114C-22EA-4B1A-A45B-ED6465C7BB4E}" type="datetime1">
               <a:rPr lang="en-US" smtClean="0"/>
-              <a:t>3/30/2021</a:t>
+              <a:t>3/31/2021</a:t>
             </a:fld>
             <a:endParaRPr lang="en-US"/>
           </a:p>
@@ -4342,7 +4229,7 @@
           <a:p>
             <a:fld id="{F46F8903-38BE-4FD8-98FC-E4EF771B2D8C}" type="datetime1">
               <a:rPr lang="en-US" smtClean="0"/>
-              <a:t>3/30/2021</a:t>
+              <a:t>3/31/2021</a:t>
             </a:fld>
             <a:endParaRPr lang="en-US"/>
           </a:p>
@@ -4555,7 +4442,7 @@
           <a:p>
             <a:fld id="{A91AC8C7-9CA9-4E83-8CE3-AD3BE4150B39}" type="datetime1">
               <a:rPr lang="en-US" smtClean="0"/>
-              <a:t>3/30/2021</a:t>
+              <a:t>3/31/2021</a:t>
             </a:fld>
             <a:endParaRPr lang="en-US"/>
           </a:p>
@@ -5070,7 +4957,7 @@
           <a:p>
             <a:r>
               <a:rPr lang="en-US" dirty="0" smtClean="0"/>
-              <a:t>Comparison of two approaches</a:t>
+              <a:t>Sentiment Classification</a:t>
             </a:r>
             <a:endParaRPr lang="en-US" dirty="0"/>
           </a:p>
@@ -5088,198 +4975,11 @@
         </p:nvSpPr>
         <p:spPr/>
         <p:txBody>
-          <a:bodyPr>
-            <a:normAutofit fontScale="92500"/>
-          </a:bodyPr>
-          <a:lstStyle/>
-          <a:p>
-            <a:r>
-              <a:rPr lang="de-DE" dirty="0" err="1" smtClean="0"/>
-              <a:t>Both</a:t>
-            </a:r>
-            <a:r>
-              <a:rPr lang="de-DE" dirty="0"/>
-              <a:t> </a:t>
-            </a:r>
-            <a:r>
-              <a:rPr lang="de-DE" dirty="0" err="1" smtClean="0"/>
-              <a:t>result</a:t>
-            </a:r>
-            <a:r>
-              <a:rPr lang="de-DE" dirty="0" smtClean="0"/>
-              <a:t> in </a:t>
-            </a:r>
-            <a:r>
-              <a:rPr lang="de-DE" dirty="0" err="1" smtClean="0"/>
-              <a:t>vector</a:t>
-            </a:r>
-            <a:r>
-              <a:rPr lang="de-DE" dirty="0" smtClean="0"/>
-              <a:t> </a:t>
-            </a:r>
-            <a:r>
-              <a:rPr lang="de-DE" dirty="0" err="1" smtClean="0"/>
-              <a:t>represenation</a:t>
-            </a:r>
-            <a:r>
-              <a:rPr lang="de-DE" dirty="0" smtClean="0"/>
-              <a:t> </a:t>
-            </a:r>
-            <a:r>
-              <a:rPr lang="de-DE" dirty="0" err="1" smtClean="0"/>
-              <a:t>for</a:t>
-            </a:r>
-            <a:r>
-              <a:rPr lang="de-DE" dirty="0" smtClean="0"/>
-              <a:t> </a:t>
-            </a:r>
-            <a:r>
-              <a:rPr lang="de-DE" dirty="0" err="1" smtClean="0"/>
-              <a:t>each</a:t>
-            </a:r>
-            <a:r>
-              <a:rPr lang="de-DE" dirty="0" smtClean="0"/>
-              <a:t> </a:t>
-            </a:r>
-            <a:r>
-              <a:rPr lang="de-DE" dirty="0" err="1" smtClean="0"/>
-              <a:t>word</a:t>
-            </a:r>
-            <a:r>
-              <a:rPr lang="de-DE" dirty="0" smtClean="0"/>
-              <a:t> </a:t>
-            </a:r>
-            <a:r>
-              <a:rPr lang="de-DE" dirty="0" err="1" smtClean="0"/>
-              <a:t>contained</a:t>
-            </a:r>
-            <a:r>
-              <a:rPr lang="de-DE" dirty="0" smtClean="0"/>
-              <a:t> in a </a:t>
-            </a:r>
-            <a:r>
-              <a:rPr lang="de-DE" dirty="0" err="1" smtClean="0"/>
-              <a:t>corpus</a:t>
-            </a:r>
-            <a:endParaRPr lang="de-DE" dirty="0" smtClean="0"/>
-          </a:p>
-          <a:p>
-            <a:r>
-              <a:rPr lang="en-US" dirty="0" err="1"/>
-              <a:t>BoW</a:t>
-            </a:r>
-            <a:r>
-              <a:rPr lang="en-US" dirty="0"/>
-              <a:t> model does not consider the ordering, semantics</a:t>
-            </a:r>
-          </a:p>
-          <a:p>
-            <a:r>
-              <a:rPr lang="de-DE" dirty="0" err="1" smtClean="0"/>
-              <a:t>Lower</a:t>
-            </a:r>
-            <a:r>
-              <a:rPr lang="de-DE" dirty="0" smtClean="0"/>
-              <a:t> </a:t>
-            </a:r>
-            <a:r>
-              <a:rPr lang="de-DE" dirty="0" err="1" smtClean="0"/>
-              <a:t>dimensionality</a:t>
-            </a:r>
-            <a:r>
-              <a:rPr lang="de-DE" dirty="0" smtClean="0"/>
-              <a:t> </a:t>
-            </a:r>
-            <a:r>
-              <a:rPr lang="de-DE" dirty="0" err="1" smtClean="0"/>
-              <a:t>for</a:t>
-            </a:r>
-            <a:r>
-              <a:rPr lang="de-DE" dirty="0" smtClean="0"/>
-              <a:t> </a:t>
-            </a:r>
-            <a:r>
-              <a:rPr lang="de-DE" dirty="0" err="1" smtClean="0"/>
-              <a:t>GloVE</a:t>
-            </a:r>
-            <a:r>
-              <a:rPr lang="de-DE" dirty="0" smtClean="0"/>
-              <a:t> (i.e. 100-300), </a:t>
-            </a:r>
-            <a:r>
-              <a:rPr lang="de-DE" dirty="0" err="1" smtClean="0"/>
-              <a:t>whereas</a:t>
-            </a:r>
-            <a:r>
-              <a:rPr lang="de-DE" dirty="0" smtClean="0"/>
-              <a:t> </a:t>
-            </a:r>
-            <a:r>
-              <a:rPr lang="de-DE" dirty="0" err="1" smtClean="0"/>
-              <a:t>for</a:t>
-            </a:r>
-            <a:r>
-              <a:rPr lang="de-DE" dirty="0" smtClean="0"/>
-              <a:t> BOW (i.e. 100000)</a:t>
-            </a:r>
-          </a:p>
-          <a:p>
-            <a:r>
-              <a:rPr lang="en-US" dirty="0" smtClean="0"/>
-              <a:t>Approximate consideration of word semantics </a:t>
-            </a:r>
-            <a:r>
-              <a:rPr lang="en-US" dirty="0" smtClean="0">
-                <a:sym typeface="Wingdings" panose="05000000000000000000" pitchFamily="2" charset="2"/>
-              </a:rPr>
-              <a:t> large and “good” corpus for </a:t>
-            </a:r>
-            <a:r>
-              <a:rPr lang="en-US" dirty="0" err="1" smtClean="0">
-                <a:sym typeface="Wingdings" panose="05000000000000000000" pitchFamily="2" charset="2"/>
-              </a:rPr>
-              <a:t>meaningfull</a:t>
-            </a:r>
-            <a:r>
-              <a:rPr lang="en-US" dirty="0" smtClean="0">
-                <a:sym typeface="Wingdings" panose="05000000000000000000" pitchFamily="2" charset="2"/>
-              </a:rPr>
-              <a:t> vector representations needed</a:t>
-            </a:r>
-          </a:p>
-          <a:p>
-            <a:r>
-              <a:rPr lang="en-US" dirty="0" err="1" smtClean="0">
-                <a:sym typeface="Wingdings" panose="05000000000000000000" pitchFamily="2" charset="2"/>
-              </a:rPr>
-              <a:t>Pretrained</a:t>
-            </a:r>
-            <a:r>
-              <a:rPr lang="en-US" dirty="0" smtClean="0">
-                <a:sym typeface="Wingdings" panose="05000000000000000000" pitchFamily="2" charset="2"/>
-              </a:rPr>
-              <a:t> models usually fail on target tasks with different domain (null vector for unknown, special context words)</a:t>
-            </a:r>
-          </a:p>
-          <a:p>
-            <a:r>
-              <a:rPr lang="en-US" dirty="0" err="1">
-                <a:sym typeface="Wingdings" panose="05000000000000000000" pitchFamily="2" charset="2"/>
-              </a:rPr>
-              <a:t>Pretrained</a:t>
-            </a:r>
-            <a:r>
-              <a:rPr lang="en-US" dirty="0">
-                <a:sym typeface="Wingdings" panose="05000000000000000000" pitchFamily="2" charset="2"/>
-              </a:rPr>
-              <a:t> models </a:t>
-            </a:r>
-            <a:r>
-              <a:rPr lang="en-US" dirty="0" smtClean="0">
-                <a:sym typeface="Wingdings" panose="05000000000000000000" pitchFamily="2" charset="2"/>
-              </a:rPr>
-              <a:t>Require large amounts of memory and computational resources</a:t>
-            </a:r>
+          <a:bodyPr/>
+          <a:lstStyle/>
+          <a:p>
+            <a:pPr lvl="1"/>
+            <a:endParaRPr lang="en-US" dirty="0" smtClean="0"/>
           </a:p>
           <a:p>
             <a:pPr lvl="1"/>
@@ -5305,106 +5005,6 @@
             <a:fld id="{C9E0B00B-E6DF-4183-A694-3DE28BEFB357}" type="slidenum">
               <a:rPr lang="en-US" smtClean="0"/>
               <a:t>10</a:t>
-            </a:fld>
-            <a:endParaRPr lang="en-US"/>
-          </a:p>
-        </p:txBody>
-      </p:sp>
-    </p:spTree>
-    <p:extLst>
-      <p:ext uri="{BB962C8B-B14F-4D97-AF65-F5344CB8AC3E}">
-        <p14:creationId xmlns:p14="http://schemas.microsoft.com/office/powerpoint/2010/main" val="1522941898"/>
-      </p:ext>
-    </p:extLst>
-  </p:cSld>
-  <p:clrMapOvr>
-    <a:masterClrMapping/>
-  </p:clrMapOvr>
-</p:sld>
-</file>
-
-<file path=ppt/slides/slide11.xml><?xml version="1.0" encoding="utf-8"?>
-<p:sld xmlns:a="http://schemas.openxmlformats.org/drawingml/2006/main" xmlns:r="http://schemas.openxmlformats.org/officeDocument/2006/relationships" xmlns:p="http://schemas.openxmlformats.org/presentationml/2006/main">
-  <p:cSld>
-    <p:spTree>
-      <p:nvGrpSpPr>
-        <p:cNvPr id="1" name=""/>
-        <p:cNvGrpSpPr/>
-        <p:nvPr/>
-      </p:nvGrpSpPr>
-      <p:grpSpPr>
-        <a:xfrm>
-          <a:off x="0" y="0"/>
-          <a:ext cx="0" cy="0"/>
-          <a:chOff x="0" y="0"/>
-          <a:chExt cx="0" cy="0"/>
-        </a:xfrm>
-      </p:grpSpPr>
-      <p:sp>
-        <p:nvSpPr>
-          <p:cNvPr id="2" name="Titel 1"/>
-          <p:cNvSpPr>
-            <a:spLocks noGrp="1"/>
-          </p:cNvSpPr>
-          <p:nvPr>
-            <p:ph type="title"/>
-          </p:nvPr>
-        </p:nvSpPr>
-        <p:spPr/>
-        <p:txBody>
-          <a:bodyPr/>
-          <a:lstStyle/>
-          <a:p>
-            <a:r>
-              <a:rPr lang="en-US" dirty="0" smtClean="0"/>
-              <a:t>Sentiment Classification</a:t>
-            </a:r>
-            <a:endParaRPr lang="en-US" dirty="0"/>
-          </a:p>
-        </p:txBody>
-      </p:sp>
-      <p:sp>
-        <p:nvSpPr>
-          <p:cNvPr id="3" name="Inhaltsplatzhalter 2"/>
-          <p:cNvSpPr>
-            <a:spLocks noGrp="1"/>
-          </p:cNvSpPr>
-          <p:nvPr>
-            <p:ph idx="1"/>
-          </p:nvPr>
-        </p:nvSpPr>
-        <p:spPr/>
-        <p:txBody>
-          <a:bodyPr/>
-          <a:lstStyle/>
-          <a:p>
-            <a:pPr lvl="1"/>
-            <a:endParaRPr lang="en-US" dirty="0" smtClean="0"/>
-          </a:p>
-          <a:p>
-            <a:pPr lvl="1"/>
-            <a:endParaRPr lang="en-US" dirty="0"/>
-          </a:p>
-        </p:txBody>
-      </p:sp>
-      <p:sp>
-        <p:nvSpPr>
-          <p:cNvPr id="4" name="Foliennummernplatzhalter 3"/>
-          <p:cNvSpPr>
-            <a:spLocks noGrp="1"/>
-          </p:cNvSpPr>
-          <p:nvPr>
-            <p:ph type="sldNum" sz="quarter" idx="12"/>
-          </p:nvPr>
-        </p:nvSpPr>
-        <p:spPr/>
-        <p:txBody>
-          <a:bodyPr/>
-          <a:lstStyle/>
-          <a:p>
-            <a:fld id="{C9E0B00B-E6DF-4183-A694-3DE28BEFB357}" type="slidenum">
-              <a:rPr lang="en-US" smtClean="0"/>
-              <a:t>11</a:t>
             </a:fld>
             <a:endParaRPr lang="en-US"/>
           </a:p>
@@ -6134,7 +5734,7 @@
 </p:sld>
 </file>
 
-<file path=ppt/slides/slide12.xml><?xml version="1.0" encoding="utf-8"?>
+<file path=ppt/slides/slide11.xml><?xml version="1.0" encoding="utf-8"?>
 <p:sld xmlns:a="http://schemas.openxmlformats.org/drawingml/2006/main" xmlns:r="http://schemas.openxmlformats.org/officeDocument/2006/relationships" xmlns:p="http://schemas.openxmlformats.org/presentationml/2006/main">
   <p:cSld>
     <p:spTree>
@@ -6201,7 +5801,7 @@
           <a:p>
             <a:fld id="{C9E0B00B-E6DF-4183-A694-3DE28BEFB357}" type="slidenum">
               <a:rPr lang="en-US" smtClean="0"/>
-              <a:t>12</a:t>
+              <a:t>11</a:t>
             </a:fld>
             <a:endParaRPr lang="en-US"/>
           </a:p>
@@ -8191,7 +7791,7 @@
 </p:sld>
 </file>
 
-<file path=ppt/slides/slide13.xml><?xml version="1.0" encoding="utf-8"?>
+<file path=ppt/slides/slide12.xml><?xml version="1.0" encoding="utf-8"?>
 <p:sld xmlns:a="http://schemas.openxmlformats.org/drawingml/2006/main" xmlns:r="http://schemas.openxmlformats.org/officeDocument/2006/relationships" xmlns:p="http://schemas.openxmlformats.org/presentationml/2006/main">
   <p:cSld>
     <p:spTree>
@@ -8272,7 +7872,7 @@
           <a:p>
             <a:fld id="{C9E0B00B-E6DF-4183-A694-3DE28BEFB357}" type="slidenum">
               <a:rPr lang="en-US" smtClean="0"/>
-              <a:t>13</a:t>
+              <a:t>12</a:t>
             </a:fld>
             <a:endParaRPr lang="en-US"/>
           </a:p>
@@ -8756,7 +8356,7 @@
 </p:sld>
 </file>
 
-<file path=ppt/slides/slide14.xml><?xml version="1.0" encoding="utf-8"?>
+<file path=ppt/slides/slide13.xml><?xml version="1.0" encoding="utf-8"?>
 <p:sld xmlns:a="http://schemas.openxmlformats.org/drawingml/2006/main" xmlns:r="http://schemas.openxmlformats.org/officeDocument/2006/relationships" xmlns:p="http://schemas.openxmlformats.org/presentationml/2006/main">
   <p:cSld>
     <p:spTree>
@@ -10160,7 +9760,7 @@
           <a:p>
             <a:fld id="{C9E0B00B-E6DF-4183-A694-3DE28BEFB357}" type="slidenum">
               <a:rPr lang="en-US" smtClean="0"/>
-              <a:t>14</a:t>
+              <a:t>13</a:t>
             </a:fld>
             <a:endParaRPr lang="en-US"/>
           </a:p>
@@ -10170,6 +9770,230 @@
     <p:extLst>
       <p:ext uri="{BB962C8B-B14F-4D97-AF65-F5344CB8AC3E}">
         <p14:creationId xmlns:p14="http://schemas.microsoft.com/office/powerpoint/2010/main" val="3864268340"/>
+      </p:ext>
+    </p:extLst>
+  </p:cSld>
+  <p:clrMapOvr>
+    <a:masterClrMapping/>
+  </p:clrMapOvr>
+</p:sld>
+</file>
+
+<file path=ppt/slides/slide14.xml><?xml version="1.0" encoding="utf-8"?>
+<p:sld xmlns:a="http://schemas.openxmlformats.org/drawingml/2006/main" xmlns:r="http://schemas.openxmlformats.org/officeDocument/2006/relationships" xmlns:p="http://schemas.openxmlformats.org/presentationml/2006/main">
+  <p:cSld>
+    <p:spTree>
+      <p:nvGrpSpPr>
+        <p:cNvPr id="1" name=""/>
+        <p:cNvGrpSpPr/>
+        <p:nvPr/>
+      </p:nvGrpSpPr>
+      <p:grpSpPr>
+        <a:xfrm>
+          <a:off x="0" y="0"/>
+          <a:ext cx="0" cy="0"/>
+          <a:chOff x="0" y="0"/>
+          <a:chExt cx="0" cy="0"/>
+        </a:xfrm>
+      </p:grpSpPr>
+      <p:sp>
+        <p:nvSpPr>
+          <p:cNvPr id="2" name="Titel 1"/>
+          <p:cNvSpPr>
+            <a:spLocks noGrp="1"/>
+          </p:cNvSpPr>
+          <p:nvPr>
+            <p:ph type="title"/>
+          </p:nvPr>
+        </p:nvSpPr>
+        <p:spPr/>
+        <p:txBody>
+          <a:bodyPr/>
+          <a:lstStyle/>
+          <a:p>
+            <a:r>
+              <a:rPr lang="en-US" dirty="0"/>
+              <a:t>Visualization in R</a:t>
+            </a:r>
+          </a:p>
+        </p:txBody>
+      </p:sp>
+      <p:sp>
+        <p:nvSpPr>
+          <p:cNvPr id="3" name="Inhaltsplatzhalter 2"/>
+          <p:cNvSpPr>
+            <a:spLocks noGrp="1"/>
+          </p:cNvSpPr>
+          <p:nvPr>
+            <p:ph idx="1"/>
+          </p:nvPr>
+        </p:nvSpPr>
+        <p:spPr/>
+        <p:txBody>
+          <a:bodyPr>
+            <a:normAutofit/>
+          </a:bodyPr>
+          <a:lstStyle/>
+          <a:p>
+            <a:pPr lvl="1"/>
+            <a:endParaRPr lang="en-US" dirty="0" smtClean="0"/>
+          </a:p>
+          <a:p>
+            <a:pPr marL="457200" lvl="1" indent="0">
+              <a:buNone/>
+            </a:pPr>
+            <a:r>
+              <a:rPr lang="en-US" dirty="0" smtClean="0"/>
+              <a:t>Packages we recommend: </a:t>
+            </a:r>
+          </a:p>
+          <a:p>
+            <a:pPr marL="457200" lvl="1" indent="0">
+              <a:buNone/>
+            </a:pPr>
+            <a:endParaRPr lang="en-US" dirty="0" smtClean="0"/>
+          </a:p>
+          <a:p>
+            <a:pPr lvl="1"/>
+            <a:r>
+              <a:rPr lang="en-US" b="1" dirty="0" err="1" smtClean="0"/>
+              <a:t>Quanteda</a:t>
+            </a:r>
+            <a:r>
+              <a:rPr lang="en-US" dirty="0" smtClean="0"/>
+              <a:t>: preprocessing, corpus construction, tokenization, document-feature matrix, </a:t>
+            </a:r>
+            <a:r>
+              <a:rPr lang="en-US" dirty="0" err="1" smtClean="0"/>
+              <a:t>wordscore</a:t>
+            </a:r>
+            <a:r>
+              <a:rPr lang="en-US" dirty="0" smtClean="0"/>
+              <a:t>, topic modelling, visualizations</a:t>
+            </a:r>
+          </a:p>
+          <a:p>
+            <a:pPr lvl="2"/>
+            <a:r>
+              <a:rPr lang="en-US" dirty="0" smtClean="0"/>
+              <a:t>Useful </a:t>
+            </a:r>
+            <a:r>
+              <a:rPr lang="en-US" dirty="0"/>
+              <a:t>tutorial </a:t>
+            </a:r>
+            <a:r>
+              <a:rPr lang="en-US" dirty="0" smtClean="0"/>
+              <a:t>for the package</a:t>
+            </a:r>
+            <a:r>
+              <a:rPr lang="en-US" dirty="0"/>
+              <a:t>: </a:t>
+            </a:r>
+            <a:r>
+              <a:rPr lang="en-US" dirty="0">
+                <a:hlinkClick r:id="rId3"/>
+              </a:rPr>
+              <a:t>https://tutorials.quanteda.io</a:t>
+            </a:r>
+            <a:r>
+              <a:rPr lang="en-US" dirty="0" smtClean="0">
+                <a:hlinkClick r:id="rId3"/>
+              </a:rPr>
+              <a:t>/</a:t>
+            </a:r>
+            <a:endParaRPr lang="en-US" dirty="0" smtClean="0"/>
+          </a:p>
+          <a:p>
+            <a:pPr lvl="2"/>
+            <a:endParaRPr lang="en-US" dirty="0" smtClean="0"/>
+          </a:p>
+          <a:p>
+            <a:pPr lvl="1"/>
+            <a:r>
+              <a:rPr lang="en-US" b="1" dirty="0" err="1" smtClean="0"/>
+              <a:t>Tidytext</a:t>
+            </a:r>
+            <a:r>
+              <a:rPr lang="en-US" dirty="0" smtClean="0"/>
+              <a:t>: preprocessing, feature extraction, visualizations; works well with other tools in wide use (</a:t>
+            </a:r>
+            <a:r>
+              <a:rPr lang="en-US" dirty="0" err="1" smtClean="0"/>
+              <a:t>dplyr</a:t>
+            </a:r>
+            <a:r>
+              <a:rPr lang="en-US" dirty="0" smtClean="0"/>
+              <a:t>, </a:t>
+            </a:r>
+            <a:r>
+              <a:rPr lang="en-US" dirty="0" err="1" smtClean="0"/>
+              <a:t>tidyr</a:t>
+            </a:r>
+            <a:r>
+              <a:rPr lang="en-US" dirty="0" smtClean="0"/>
+              <a:t>, </a:t>
+            </a:r>
+            <a:r>
+              <a:rPr lang="en-US" dirty="0" err="1" smtClean="0"/>
+              <a:t>wordcloud</a:t>
+            </a:r>
+            <a:r>
+              <a:rPr lang="en-US" dirty="0" smtClean="0"/>
+              <a:t>, ggplot2)</a:t>
+            </a:r>
+          </a:p>
+          <a:p>
+            <a:pPr lvl="2"/>
+            <a:r>
+              <a:rPr lang="en-US" dirty="0"/>
+              <a:t>Useful tutorial for the package: </a:t>
+            </a:r>
+            <a:r>
+              <a:rPr lang="en-US" dirty="0" smtClean="0"/>
+              <a:t>https</a:t>
+            </a:r>
+            <a:r>
+              <a:rPr lang="en-US" dirty="0"/>
+              <a:t>://www.tidytextmining.com/</a:t>
+            </a:r>
+            <a:endParaRPr lang="en-US" dirty="0" smtClean="0"/>
+          </a:p>
+          <a:p>
+            <a:pPr marL="457200" lvl="1" indent="0">
+              <a:buNone/>
+            </a:pPr>
+            <a:endParaRPr lang="en-US" dirty="0"/>
+          </a:p>
+        </p:txBody>
+      </p:sp>
+      <p:sp>
+        <p:nvSpPr>
+          <p:cNvPr id="4" name="Foliennummernplatzhalter 3"/>
+          <p:cNvSpPr>
+            <a:spLocks noGrp="1"/>
+          </p:cNvSpPr>
+          <p:nvPr>
+            <p:ph type="sldNum" sz="quarter" idx="12"/>
+          </p:nvPr>
+        </p:nvSpPr>
+        <p:spPr/>
+        <p:txBody>
+          <a:bodyPr/>
+          <a:lstStyle/>
+          <a:p>
+            <a:fld id="{C9E0B00B-E6DF-4183-A694-3DE28BEFB357}" type="slidenum">
+              <a:rPr lang="en-US" smtClean="0"/>
+              <a:t>14</a:t>
+            </a:fld>
+            <a:endParaRPr lang="en-US"/>
+          </a:p>
+        </p:txBody>
+      </p:sp>
+    </p:spTree>
+    <p:extLst>
+      <p:ext uri="{BB962C8B-B14F-4D97-AF65-F5344CB8AC3E}">
+        <p14:creationId xmlns:p14="http://schemas.microsoft.com/office/powerpoint/2010/main" val="1390333363"/>
       </p:ext>
     </p:extLst>
   </p:cSld>
@@ -10257,70 +10081,68 @@
             <a:pPr lvl="1"/>
             <a:r>
               <a:rPr lang="en-US" b="1" dirty="0" err="1" smtClean="0"/>
-              <a:t>Quanteda</a:t>
+              <a:t>Stringr</a:t>
             </a:r>
             <a:r>
               <a:rPr lang="en-US" dirty="0" smtClean="0"/>
-              <a:t>: preprocessing, corpus construction, tokenization, document-feature matrix, </a:t>
-            </a:r>
-            <a:r>
-              <a:rPr lang="en-US" dirty="0" err="1" smtClean="0"/>
-              <a:t>wordscore</a:t>
+              <a:t>: easy working with strings, especially regarding regular expressions, </a:t>
+            </a:r>
+            <a:r>
+              <a:rPr lang="en-US" dirty="0"/>
+              <a:t>pattern matching functions, character </a:t>
             </a:r>
             <a:r>
               <a:rPr lang="en-US" dirty="0" smtClean="0"/>
-              <a:t>, topic modelling, visualizations</a:t>
+              <a:t>manipulation, whitespace management </a:t>
             </a:r>
           </a:p>
           <a:p>
             <a:pPr lvl="2"/>
             <a:r>
+              <a:rPr lang="en-US" dirty="0"/>
+              <a:t>Useful tutorial for the </a:t>
+            </a:r>
+            <a:r>
               <a:rPr lang="en-US" dirty="0" smtClean="0"/>
-              <a:t>Useful </a:t>
-            </a:r>
-            <a:r>
-              <a:rPr lang="en-US" dirty="0"/>
-              <a:t>tutorial </a:t>
-            </a:r>
-            <a:r>
-              <a:rPr lang="en-US" dirty="0" smtClean="0"/>
-              <a:t>for the package</a:t>
-            </a:r>
-            <a:r>
-              <a:rPr lang="en-US" dirty="0"/>
-              <a:t>: </a:t>
+              <a:t>package: </a:t>
+            </a:r>
+            <a:r>
+              <a:rPr lang="en-US" dirty="0" smtClean="0">
+                <a:hlinkClick r:id="rId3"/>
+              </a:rPr>
+              <a:t>https</a:t>
             </a:r>
             <a:r>
               <a:rPr lang="en-US" dirty="0">
                 <a:hlinkClick r:id="rId3"/>
               </a:rPr>
-              <a:t>https://tutorials.quanteda.io</a:t>
+              <a:t>://</a:t>
             </a:r>
             <a:r>
               <a:rPr lang="en-US" dirty="0" smtClean="0">
                 <a:hlinkClick r:id="rId3"/>
               </a:rPr>
-              <a:t>/</a:t>
+              <a:t>cran.r-project.org/web/packages/stringr/vignettes/stringr.html</a:t>
             </a:r>
             <a:endParaRPr lang="en-US" dirty="0" smtClean="0"/>
           </a:p>
           <a:p>
             <a:pPr lvl="2"/>
-            <a:endParaRPr lang="en-US" dirty="0" smtClean="0"/>
+            <a:endParaRPr lang="en-US" dirty="0"/>
           </a:p>
           <a:p>
             <a:pPr lvl="1"/>
             <a:r>
-              <a:rPr lang="en-US" b="1" dirty="0" err="1" smtClean="0"/>
-              <a:t>Tidytext</a:t>
+              <a:rPr lang="en-US" b="1" dirty="0" smtClean="0"/>
+              <a:t>Text2vec</a:t>
             </a:r>
             <a:r>
               <a:rPr lang="en-US" dirty="0" smtClean="0"/>
-              <a:t>: preprocessing, feature extraction, visualizations; works well with other tools in wide use (</a:t>
+              <a:t>: construct </a:t>
             </a:r>
             <a:r>
               <a:rPr lang="en-US" dirty="0" err="1" smtClean="0"/>
-              <a:t>dplyr</a:t>
+              <a:t>dtm</a:t>
             </a:r>
             <a:r>
               <a:rPr lang="en-US" dirty="0" smtClean="0"/>
@@ -10328,42 +10150,39 @@
             </a:r>
             <a:r>
               <a:rPr lang="en-US" dirty="0" err="1" smtClean="0"/>
-              <a:t>tidyr</a:t>
+              <a:t>tcm</a:t>
             </a:r>
             <a:r>
               <a:rPr lang="en-US" dirty="0" smtClean="0"/>
-              <a:t>, </a:t>
+              <a:t>, word </a:t>
             </a:r>
             <a:r>
               <a:rPr lang="en-US" dirty="0" err="1" smtClean="0"/>
-              <a:t>wordcloud</a:t>
+              <a:t>embeddings</a:t>
             </a:r>
             <a:r>
               <a:rPr lang="en-US" dirty="0" smtClean="0"/>
-              <a:t>, ggplot2)</a:t>
+              <a:t> (i.e. </a:t>
+            </a:r>
+            <a:r>
+              <a:rPr lang="en-US" dirty="0" err="1" smtClean="0"/>
+              <a:t>GloVE</a:t>
+            </a:r>
+            <a:r>
+              <a:rPr lang="en-US" dirty="0" smtClean="0"/>
+              <a:t>), topic modelling (i.e. LDA)</a:t>
             </a:r>
           </a:p>
           <a:p>
             <a:pPr lvl="2"/>
             <a:r>
+              <a:rPr lang="en-US" dirty="0" smtClean="0"/>
+              <a:t>Useful tutorial for </a:t>
+            </a:r>
+            <a:r>
               <a:rPr lang="en-US" dirty="0"/>
-              <a:t>Useful tutorial for the package: </a:t>
-            </a:r>
-            <a:r>
-              <a:rPr lang="en-US" dirty="0" smtClean="0"/>
-              <a:t>https</a:t>
-            </a:r>
-            <a:r>
-              <a:rPr lang="en-US" dirty="0"/>
-              <a:t>://www.tidytextmining.com/</a:t>
-            </a:r>
-            <a:endParaRPr lang="en-US" dirty="0" smtClean="0"/>
-          </a:p>
-          <a:p>
-            <a:pPr marL="457200" lvl="1" indent="0">
-              <a:buNone/>
-            </a:pPr>
-            <a:endParaRPr lang="en-US" dirty="0"/>
+              <a:t>the package: http://text2vec.org/index.html</a:t>
+            </a:r>
           </a:p>
         </p:txBody>
       </p:sp>
@@ -10393,7 +10212,7 @@
     </p:spTree>
     <p:extLst>
       <p:ext uri="{BB962C8B-B14F-4D97-AF65-F5344CB8AC3E}">
-        <p14:creationId xmlns:p14="http://schemas.microsoft.com/office/powerpoint/2010/main" val="1390333363"/>
+        <p14:creationId xmlns:p14="http://schemas.microsoft.com/office/powerpoint/2010/main" val="2124574549"/>
       </p:ext>
     </p:extLst>
   </p:cSld>
@@ -10437,7 +10256,15 @@
           <a:p>
             <a:r>
               <a:rPr lang="en-US" dirty="0"/>
-              <a:t>Visualization in R</a:t>
+              <a:t>Visualization</a:t>
+            </a:r>
+            <a:r>
+              <a:rPr lang="en-US" dirty="0" smtClean="0"/>
+              <a:t> </a:t>
+            </a:r>
+            <a:r>
+              <a:rPr lang="en-US" dirty="0"/>
+              <a:t>options</a:t>
             </a:r>
           </a:p>
         </p:txBody>
@@ -10454,135 +10281,42 @@
         </p:nvSpPr>
         <p:spPr/>
         <p:txBody>
-          <a:bodyPr>
-            <a:normAutofit/>
-          </a:bodyPr>
-          <a:lstStyle/>
-          <a:p>
-            <a:pPr lvl="1"/>
+          <a:bodyPr/>
+          <a:lstStyle/>
+          <a:p>
+            <a:r>
+              <a:rPr lang="en-US" dirty="0" err="1" smtClean="0"/>
+              <a:t>Wordclouds</a:t>
+            </a:r>
             <a:endParaRPr lang="en-US" dirty="0" smtClean="0"/>
           </a:p>
           <a:p>
-            <a:pPr marL="457200" lvl="1" indent="0">
-              <a:buNone/>
-            </a:pPr>
+            <a:r>
+              <a:rPr lang="en-US" dirty="0" err="1" smtClean="0"/>
+              <a:t>Barplots</a:t>
+            </a:r>
+            <a:endParaRPr lang="en-US" dirty="0" smtClean="0"/>
+          </a:p>
+          <a:p>
             <a:r>
               <a:rPr lang="en-US" dirty="0" smtClean="0"/>
-              <a:t>Packages we recommend: </a:t>
-            </a:r>
-          </a:p>
-          <a:p>
-            <a:pPr marL="457200" lvl="1" indent="0">
-              <a:buNone/>
-            </a:pPr>
-            <a:endParaRPr lang="en-US" dirty="0" smtClean="0"/>
-          </a:p>
-          <a:p>
-            <a:pPr lvl="1"/>
-            <a:r>
-              <a:rPr lang="en-US" b="1" dirty="0" err="1" smtClean="0"/>
-              <a:t>Stringr</a:t>
-            </a:r>
+              <a:t>Word frequency plots</a:t>
+            </a:r>
+          </a:p>
+          <a:p>
             <a:r>
               <a:rPr lang="en-US" dirty="0" smtClean="0"/>
-              <a:t>: easy working with strings, especially regarding regular expressions, </a:t>
-            </a:r>
-            <a:r>
-              <a:rPr lang="en-US" dirty="0"/>
-              <a:t>pattern matching functions, character </a:t>
-            </a:r>
+              <a:t>Lexical dispersion plots</a:t>
+            </a:r>
+          </a:p>
+          <a:p>
             <a:r>
               <a:rPr lang="en-US" dirty="0" smtClean="0"/>
-              <a:t>manipulation, whitespace management </a:t>
-            </a:r>
-          </a:p>
-          <a:p>
-            <a:pPr lvl="2"/>
-            <a:r>
-              <a:rPr lang="en-US" dirty="0"/>
-              <a:t>Useful tutorial for the </a:t>
-            </a:r>
-            <a:r>
-              <a:rPr lang="en-US" dirty="0" smtClean="0"/>
-              <a:t>package: </a:t>
-            </a:r>
-            <a:r>
-              <a:rPr lang="en-US" dirty="0" smtClean="0">
-                <a:hlinkClick r:id="rId3"/>
-              </a:rPr>
-              <a:t>https</a:t>
-            </a:r>
-            <a:r>
-              <a:rPr lang="en-US" dirty="0">
-                <a:hlinkClick r:id="rId3"/>
-              </a:rPr>
-              <a:t>://</a:t>
-            </a:r>
-            <a:r>
-              <a:rPr lang="en-US" dirty="0" smtClean="0">
-                <a:hlinkClick r:id="rId3"/>
-              </a:rPr>
-              <a:t>cran.r-project.org/web/packages/stringr/vignettes/stringr.html</a:t>
-            </a:r>
-            <a:endParaRPr lang="en-US" dirty="0" smtClean="0"/>
-          </a:p>
-          <a:p>
-            <a:pPr lvl="2"/>
+              <a:t>Comparing word usage plots</a:t>
+            </a:r>
+          </a:p>
+          <a:p>
             <a:endParaRPr lang="en-US" dirty="0"/>
-          </a:p>
-          <a:p>
-            <a:pPr lvl="1"/>
-            <a:r>
-              <a:rPr lang="en-US" b="1" dirty="0" smtClean="0"/>
-              <a:t>Text2vec</a:t>
-            </a:r>
-            <a:r>
-              <a:rPr lang="en-US" dirty="0" smtClean="0"/>
-              <a:t>: construct </a:t>
-            </a:r>
-            <a:r>
-              <a:rPr lang="en-US" dirty="0" err="1" smtClean="0"/>
-              <a:t>dtm</a:t>
-            </a:r>
-            <a:r>
-              <a:rPr lang="en-US" dirty="0" smtClean="0"/>
-              <a:t>, </a:t>
-            </a:r>
-            <a:r>
-              <a:rPr lang="en-US" dirty="0" err="1" smtClean="0"/>
-              <a:t>tcm</a:t>
-            </a:r>
-            <a:r>
-              <a:rPr lang="en-US" dirty="0" smtClean="0"/>
-              <a:t>, word </a:t>
-            </a:r>
-            <a:r>
-              <a:rPr lang="en-US" dirty="0" err="1" smtClean="0"/>
-              <a:t>embeddings</a:t>
-            </a:r>
-            <a:r>
-              <a:rPr lang="en-US" dirty="0" smtClean="0"/>
-              <a:t> (i.e. </a:t>
-            </a:r>
-            <a:r>
-              <a:rPr lang="en-US" dirty="0" err="1" smtClean="0"/>
-              <a:t>GloVE</a:t>
-            </a:r>
-            <a:r>
-              <a:rPr lang="en-US" dirty="0" smtClean="0"/>
-              <a:t>), topic modelling (i.e. LDA)</a:t>
-            </a:r>
-          </a:p>
-          <a:p>
-            <a:pPr lvl="2"/>
-            <a:r>
-              <a:rPr lang="en-US" dirty="0" smtClean="0"/>
-              <a:t>Useful tutorial for </a:t>
-            </a:r>
-            <a:r>
-              <a:rPr lang="en-US" dirty="0"/>
-              <a:t>the package: http://text2vec.org/index.html</a:t>
-            </a:r>
           </a:p>
         </p:txBody>
       </p:sp>
@@ -10612,7 +10346,7 @@
     </p:spTree>
     <p:extLst>
       <p:ext uri="{BB962C8B-B14F-4D97-AF65-F5344CB8AC3E}">
-        <p14:creationId xmlns:p14="http://schemas.microsoft.com/office/powerpoint/2010/main" val="2124574549"/>
+        <p14:creationId xmlns:p14="http://schemas.microsoft.com/office/powerpoint/2010/main" val="1406450417"/>
       </p:ext>
     </p:extLst>
   </p:cSld>
@@ -10656,140 +10390,6 @@
           <a:p>
             <a:r>
               <a:rPr lang="en-US" dirty="0"/>
-              <a:t>Visualization</a:t>
-            </a:r>
-            <a:r>
-              <a:rPr lang="en-US" dirty="0" smtClean="0"/>
-              <a:t> </a:t>
-            </a:r>
-            <a:r>
-              <a:rPr lang="en-US" dirty="0"/>
-              <a:t>options</a:t>
-            </a:r>
-          </a:p>
-        </p:txBody>
-      </p:sp>
-      <p:sp>
-        <p:nvSpPr>
-          <p:cNvPr id="3" name="Inhaltsplatzhalter 2"/>
-          <p:cNvSpPr>
-            <a:spLocks noGrp="1"/>
-          </p:cNvSpPr>
-          <p:nvPr>
-            <p:ph idx="1"/>
-          </p:nvPr>
-        </p:nvSpPr>
-        <p:spPr/>
-        <p:txBody>
-          <a:bodyPr/>
-          <a:lstStyle/>
-          <a:p>
-            <a:r>
-              <a:rPr lang="en-US" dirty="0" err="1" smtClean="0"/>
-              <a:t>Wordclouds</a:t>
-            </a:r>
-            <a:endParaRPr lang="en-US" dirty="0" smtClean="0"/>
-          </a:p>
-          <a:p>
-            <a:r>
-              <a:rPr lang="en-US" dirty="0" err="1" smtClean="0"/>
-              <a:t>Barplots</a:t>
-            </a:r>
-            <a:endParaRPr lang="en-US" dirty="0" smtClean="0"/>
-          </a:p>
-          <a:p>
-            <a:r>
-              <a:rPr lang="en-US" dirty="0" smtClean="0"/>
-              <a:t>Word frequency plots</a:t>
-            </a:r>
-          </a:p>
-          <a:p>
-            <a:r>
-              <a:rPr lang="en-US" dirty="0" smtClean="0"/>
-              <a:t>Lexical dispersion plots</a:t>
-            </a:r>
-          </a:p>
-          <a:p>
-            <a:r>
-              <a:rPr lang="en-US" dirty="0" smtClean="0"/>
-              <a:t>Comparing word usage plots</a:t>
-            </a:r>
-          </a:p>
-          <a:p>
-            <a:endParaRPr lang="en-US" dirty="0"/>
-          </a:p>
-        </p:txBody>
-      </p:sp>
-      <p:sp>
-        <p:nvSpPr>
-          <p:cNvPr id="4" name="Foliennummernplatzhalter 3"/>
-          <p:cNvSpPr>
-            <a:spLocks noGrp="1"/>
-          </p:cNvSpPr>
-          <p:nvPr>
-            <p:ph type="sldNum" sz="quarter" idx="12"/>
-          </p:nvPr>
-        </p:nvSpPr>
-        <p:spPr/>
-        <p:txBody>
-          <a:bodyPr/>
-          <a:lstStyle/>
-          <a:p>
-            <a:fld id="{C9E0B00B-E6DF-4183-A694-3DE28BEFB357}" type="slidenum">
-              <a:rPr lang="en-US" smtClean="0"/>
-              <a:t>17</a:t>
-            </a:fld>
-            <a:endParaRPr lang="en-US"/>
-          </a:p>
-        </p:txBody>
-      </p:sp>
-    </p:spTree>
-    <p:extLst>
-      <p:ext uri="{BB962C8B-B14F-4D97-AF65-F5344CB8AC3E}">
-        <p14:creationId xmlns:p14="http://schemas.microsoft.com/office/powerpoint/2010/main" val="1406450417"/>
-      </p:ext>
-    </p:extLst>
-  </p:cSld>
-  <p:clrMapOvr>
-    <a:masterClrMapping/>
-  </p:clrMapOvr>
-</p:sld>
-</file>
-
-<file path=ppt/slides/slide18.xml><?xml version="1.0" encoding="utf-8"?>
-<p:sld xmlns:a="http://schemas.openxmlformats.org/drawingml/2006/main" xmlns:r="http://schemas.openxmlformats.org/officeDocument/2006/relationships" xmlns:p="http://schemas.openxmlformats.org/presentationml/2006/main">
-  <p:cSld>
-    <p:spTree>
-      <p:nvGrpSpPr>
-        <p:cNvPr id="1" name=""/>
-        <p:cNvGrpSpPr/>
-        <p:nvPr/>
-      </p:nvGrpSpPr>
-      <p:grpSpPr>
-        <a:xfrm>
-          <a:off x="0" y="0"/>
-          <a:ext cx="0" cy="0"/>
-          <a:chOff x="0" y="0"/>
-          <a:chExt cx="0" cy="0"/>
-        </a:xfrm>
-      </p:grpSpPr>
-      <p:sp>
-        <p:nvSpPr>
-          <p:cNvPr id="2" name="Titel 1"/>
-          <p:cNvSpPr>
-            <a:spLocks noGrp="1"/>
-          </p:cNvSpPr>
-          <p:nvPr>
-            <p:ph type="title"/>
-          </p:nvPr>
-        </p:nvSpPr>
-        <p:spPr/>
-        <p:txBody>
-          <a:bodyPr/>
-          <a:lstStyle/>
-          <a:p>
-            <a:r>
-              <a:rPr lang="en-US" dirty="0"/>
               <a:t>Visualization </a:t>
             </a:r>
             <a:r>
@@ -10850,7 +10450,7 @@
           <a:p>
             <a:fld id="{C9E0B00B-E6DF-4183-A694-3DE28BEFB357}" type="slidenum">
               <a:rPr lang="en-US" smtClean="0"/>
-              <a:t>18</a:t>
+              <a:t>17</a:t>
             </a:fld>
             <a:endParaRPr lang="en-US"/>
           </a:p>
@@ -10975,7 +10575,7 @@
 </p:sld>
 </file>
 
-<file path=ppt/slides/slide19.xml><?xml version="1.0" encoding="utf-8"?>
+<file path=ppt/slides/slide18.xml><?xml version="1.0" encoding="utf-8"?>
 <p:sld xmlns:a="http://schemas.openxmlformats.org/drawingml/2006/main" xmlns:r="http://schemas.openxmlformats.org/officeDocument/2006/relationships" xmlns:p="http://schemas.openxmlformats.org/presentationml/2006/main">
   <p:cSld>
     <p:spTree>
@@ -11040,7 +10640,7 @@
           <a:p>
             <a:fld id="{C9E0B00B-E6DF-4183-A694-3DE28BEFB357}" type="slidenum">
               <a:rPr lang="en-US" smtClean="0"/>
-              <a:t>19</a:t>
+              <a:t>18</a:t>
             </a:fld>
             <a:endParaRPr lang="en-US"/>
           </a:p>
@@ -11118,6 +10718,137 @@
 </p:sld>
 </file>
 
+<file path=ppt/slides/slide19.xml><?xml version="1.0" encoding="utf-8"?>
+<p:sld xmlns:a="http://schemas.openxmlformats.org/drawingml/2006/main" xmlns:r="http://schemas.openxmlformats.org/officeDocument/2006/relationships" xmlns:p="http://schemas.openxmlformats.org/presentationml/2006/main">
+  <p:cSld>
+    <p:spTree>
+      <p:nvGrpSpPr>
+        <p:cNvPr id="1" name=""/>
+        <p:cNvGrpSpPr/>
+        <p:nvPr/>
+      </p:nvGrpSpPr>
+      <p:grpSpPr>
+        <a:xfrm>
+          <a:off x="0" y="0"/>
+          <a:ext cx="0" cy="0"/>
+          <a:chOff x="0" y="0"/>
+          <a:chExt cx="0" cy="0"/>
+        </a:xfrm>
+      </p:grpSpPr>
+      <p:pic>
+        <p:nvPicPr>
+          <p:cNvPr id="6" name="Inhaltsplatzhalter 5"/>
+          <p:cNvPicPr>
+            <a:picLocks noGrp="1" noChangeAspect="1"/>
+          </p:cNvPicPr>
+          <p:nvPr>
+            <p:ph idx="1"/>
+          </p:nvPr>
+        </p:nvPicPr>
+        <p:blipFill>
+          <a:blip r:embed="rId2">
+            <a:extLst>
+              <a:ext uri="{28A0092B-C50C-407E-A947-70E740481C1C}">
+                <a14:useLocalDpi xmlns:a14="http://schemas.microsoft.com/office/drawing/2010/main" val="0"/>
+              </a:ext>
+            </a:extLst>
+          </a:blip>
+          <a:stretch>
+            <a:fillRect/>
+          </a:stretch>
+        </p:blipFill>
+        <p:spPr>
+          <a:xfrm>
+            <a:off x="3375818" y="1486694"/>
+            <a:ext cx="5234781" cy="5234781"/>
+          </a:xfrm>
+        </p:spPr>
+      </p:pic>
+      <p:sp>
+        <p:nvSpPr>
+          <p:cNvPr id="4" name="Foliennummernplatzhalter 3"/>
+          <p:cNvSpPr>
+            <a:spLocks noGrp="1"/>
+          </p:cNvSpPr>
+          <p:nvPr>
+            <p:ph type="sldNum" sz="quarter" idx="12"/>
+          </p:nvPr>
+        </p:nvSpPr>
+        <p:spPr/>
+        <p:txBody>
+          <a:bodyPr/>
+          <a:lstStyle/>
+          <a:p>
+            <a:fld id="{C9E0B00B-E6DF-4183-A694-3DE28BEFB357}" type="slidenum">
+              <a:rPr lang="en-US" smtClean="0"/>
+              <a:t>19</a:t>
+            </a:fld>
+            <a:endParaRPr lang="en-US"/>
+          </a:p>
+        </p:txBody>
+      </p:sp>
+      <p:sp>
+        <p:nvSpPr>
+          <p:cNvPr id="5" name="Titel 1"/>
+          <p:cNvSpPr txBox="1">
+            <a:spLocks/>
+          </p:cNvSpPr>
+          <p:nvPr/>
+        </p:nvSpPr>
+        <p:spPr>
+          <a:xfrm>
+            <a:off x="838200" y="320675"/>
+            <a:ext cx="10515600" cy="1325563"/>
+          </a:xfrm>
+          <a:prstGeom prst="rect">
+            <a:avLst/>
+          </a:prstGeom>
+        </p:spPr>
+        <p:txBody>
+          <a:bodyPr vert="horz" lIns="91440" tIns="45720" rIns="91440" bIns="45720" rtlCol="0" anchor="ctr">
+            <a:normAutofit/>
+          </a:bodyPr>
+          <a:lstStyle>
+            <a:lvl1pPr algn="l" defTabSz="914400" rtl="0" eaLnBrk="1" latinLnBrk="0" hangingPunct="1">
+              <a:lnSpc>
+                <a:spcPct val="90000"/>
+              </a:lnSpc>
+              <a:spcBef>
+                <a:spcPct val="0"/>
+              </a:spcBef>
+              <a:buNone/>
+              <a:defRPr sz="4400" kern="1200">
+                <a:solidFill>
+                  <a:schemeClr val="tx1"/>
+                </a:solidFill>
+                <a:latin typeface="+mj-lt"/>
+                <a:ea typeface="+mj-ea"/>
+                <a:cs typeface="+mj-cs"/>
+              </a:defRPr>
+            </a:lvl1pPr>
+          </a:lstStyle>
+          <a:p>
+            <a:r>
+              <a:rPr lang="en-US" dirty="0" smtClean="0"/>
+              <a:t>Visualization examples: Word frequencies</a:t>
+            </a:r>
+            <a:endParaRPr lang="en-US" dirty="0"/>
+          </a:p>
+        </p:txBody>
+      </p:sp>
+    </p:spTree>
+    <p:extLst>
+      <p:ext uri="{BB962C8B-B14F-4D97-AF65-F5344CB8AC3E}">
+        <p14:creationId xmlns:p14="http://schemas.microsoft.com/office/powerpoint/2010/main" val="4238888799"/>
+      </p:ext>
+    </p:extLst>
+  </p:cSld>
+  <p:clrMapOvr>
+    <a:masterClrMapping/>
+  </p:clrMapOvr>
+</p:sld>
+</file>
+
 <file path=ppt/slides/slide2.xml><?xml version="1.0" encoding="utf-8"?>
 <p:sld xmlns:a="http://schemas.openxmlformats.org/drawingml/2006/main" xmlns:r="http://schemas.openxmlformats.org/officeDocument/2006/relationships" xmlns:p="http://schemas.openxmlformats.org/presentationml/2006/main">
   <p:cSld>
@@ -11257,35 +10988,75 @@
           <a:chExt cx="0" cy="0"/>
         </a:xfrm>
       </p:grpSpPr>
-      <p:pic>
-        <p:nvPicPr>
-          <p:cNvPr id="6" name="Inhaltsplatzhalter 5"/>
-          <p:cNvPicPr>
-            <a:picLocks noGrp="1" noChangeAspect="1"/>
-          </p:cNvPicPr>
-          <p:nvPr>
-            <p:ph idx="1"/>
-          </p:nvPr>
-        </p:nvPicPr>
-        <p:blipFill>
-          <a:blip r:embed="rId2">
-            <a:extLst>
-              <a:ext uri="{28A0092B-C50C-407E-A947-70E740481C1C}">
-                <a14:useLocalDpi xmlns:a14="http://schemas.microsoft.com/office/drawing/2010/main" val="0"/>
-              </a:ext>
-            </a:extLst>
-          </a:blip>
-          <a:stretch>
-            <a:fillRect/>
-          </a:stretch>
-        </p:blipFill>
-        <p:spPr>
-          <a:xfrm>
-            <a:off x="3375818" y="1486694"/>
-            <a:ext cx="5234781" cy="5234781"/>
-          </a:xfrm>
-        </p:spPr>
-      </p:pic>
+      <p:sp>
+        <p:nvSpPr>
+          <p:cNvPr id="2" name="Titel 1"/>
+          <p:cNvSpPr>
+            <a:spLocks noGrp="1"/>
+          </p:cNvSpPr>
+          <p:nvPr>
+            <p:ph type="title"/>
+          </p:nvPr>
+        </p:nvSpPr>
+        <p:spPr/>
+        <p:txBody>
+          <a:bodyPr/>
+          <a:lstStyle/>
+          <a:p>
+            <a:r>
+              <a:rPr lang="en-US" b="1" dirty="0">
+                <a:effectLst>
+                  <a:outerShdw blurRad="38100" dist="38100" dir="2700000" algn="tl">
+                    <a:srgbClr val="000000">
+                      <a:alpha val="43137"/>
+                    </a:srgbClr>
+                  </a:outerShdw>
+                </a:effectLst>
+              </a:rPr>
+              <a:t>Part III: Feature Extraction &amp; Machine Learning</a:t>
+            </a:r>
+          </a:p>
+        </p:txBody>
+      </p:sp>
+      <p:sp>
+        <p:nvSpPr>
+          <p:cNvPr id="3" name="Textplatzhalter 2"/>
+          <p:cNvSpPr>
+            <a:spLocks noGrp="1"/>
+          </p:cNvSpPr>
+          <p:nvPr>
+            <p:ph type="body" idx="1"/>
+          </p:nvPr>
+        </p:nvSpPr>
+        <p:spPr/>
+        <p:txBody>
+          <a:bodyPr/>
+          <a:lstStyle/>
+          <a:p>
+            <a:r>
+              <a:rPr lang="en-US" b="1" dirty="0" smtClean="0">
+                <a:effectLst>
+                  <a:outerShdw blurRad="38100" dist="38100" dir="2700000" algn="tl">
+                    <a:srgbClr val="000000">
+                      <a:alpha val="43137"/>
+                    </a:srgbClr>
+                  </a:outerShdw>
+                </a:effectLst>
+              </a:rPr>
+              <a:t>Practical Application</a:t>
+            </a:r>
+            <a:endParaRPr lang="en-US" b="1" dirty="0">
+              <a:effectLst>
+                <a:outerShdw blurRad="38100" dist="38100" dir="2700000" algn="tl">
+                  <a:srgbClr val="000000">
+                    <a:alpha val="43137"/>
+                  </a:srgbClr>
+                </a:outerShdw>
+              </a:effectLst>
+            </a:endParaRPr>
+          </a:p>
+        </p:txBody>
+      </p:sp>
       <p:sp>
         <p:nvSpPr>
           <p:cNvPr id="4" name="Foliennummernplatzhalter 3"/>
@@ -11309,59 +11080,10 @@
           </a:p>
         </p:txBody>
       </p:sp>
-      <p:sp>
-        <p:nvSpPr>
-          <p:cNvPr id="5" name="Titel 1"/>
-          <p:cNvSpPr txBox="1">
-            <a:spLocks/>
-          </p:cNvSpPr>
-          <p:nvPr/>
-        </p:nvSpPr>
-        <p:spPr>
-          <a:xfrm>
-            <a:off x="838200" y="320675"/>
-            <a:ext cx="10515600" cy="1325563"/>
-          </a:xfrm>
-          <a:prstGeom prst="rect">
-            <a:avLst/>
-          </a:prstGeom>
-        </p:spPr>
-        <p:txBody>
-          <a:bodyPr vert="horz" lIns="91440" tIns="45720" rIns="91440" bIns="45720" rtlCol="0" anchor="ctr">
-            <a:normAutofit/>
-          </a:bodyPr>
-          <a:lstStyle>
-            <a:lvl1pPr algn="l" defTabSz="914400" rtl="0" eaLnBrk="1" latinLnBrk="0" hangingPunct="1">
-              <a:lnSpc>
-                <a:spcPct val="90000"/>
-              </a:lnSpc>
-              <a:spcBef>
-                <a:spcPct val="0"/>
-              </a:spcBef>
-              <a:buNone/>
-              <a:defRPr sz="4400" kern="1200">
-                <a:solidFill>
-                  <a:schemeClr val="tx1"/>
-                </a:solidFill>
-                <a:latin typeface="+mj-lt"/>
-                <a:ea typeface="+mj-ea"/>
-                <a:cs typeface="+mj-cs"/>
-              </a:defRPr>
-            </a:lvl1pPr>
-          </a:lstStyle>
-          <a:p>
-            <a:r>
-              <a:rPr lang="en-US" dirty="0" smtClean="0"/>
-              <a:t>Visualization examples: Word frequencies</a:t>
-            </a:r>
-            <a:endParaRPr lang="en-US" dirty="0"/>
-          </a:p>
-        </p:txBody>
-      </p:sp>
     </p:spTree>
     <p:extLst>
       <p:ext uri="{BB962C8B-B14F-4D97-AF65-F5344CB8AC3E}">
-        <p14:creationId xmlns:p14="http://schemas.microsoft.com/office/powerpoint/2010/main" val="4238888799"/>
+        <p14:creationId xmlns:p14="http://schemas.microsoft.com/office/powerpoint/2010/main" val="870340316"/>
       </p:ext>
     </p:extLst>
   </p:cSld>
@@ -11390,70 +11112,260 @@
       </p:grpSpPr>
       <p:sp>
         <p:nvSpPr>
-          <p:cNvPr id="2" name="Titel 1"/>
+          <p:cNvPr id="3" name="Inhaltsplatzhalter 2"/>
           <p:cNvSpPr>
             <a:spLocks noGrp="1"/>
           </p:cNvSpPr>
           <p:nvPr>
-            <p:ph type="title"/>
-          </p:nvPr>
-        </p:nvSpPr>
-        <p:spPr/>
-        <p:txBody>
-          <a:bodyPr/>
-          <a:lstStyle/>
-          <a:p>
-            <a:r>
-              <a:rPr lang="en-US" b="1" dirty="0">
-                <a:effectLst>
-                  <a:outerShdw blurRad="38100" dist="38100" dir="2700000" algn="tl">
-                    <a:srgbClr val="000000">
-                      <a:alpha val="43137"/>
-                    </a:srgbClr>
-                  </a:outerShdw>
-                </a:effectLst>
-              </a:rPr>
-              <a:t>Part III: Feature Extraction &amp; Machine Learning</a:t>
-            </a:r>
-          </a:p>
-        </p:txBody>
-      </p:sp>
-      <p:sp>
-        <p:nvSpPr>
-          <p:cNvPr id="3" name="Textplatzhalter 2"/>
-          <p:cNvSpPr>
-            <a:spLocks noGrp="1"/>
-          </p:cNvSpPr>
-          <p:nvPr>
-            <p:ph type="body" idx="1"/>
-          </p:nvPr>
-        </p:nvSpPr>
-        <p:spPr/>
-        <p:txBody>
-          <a:bodyPr/>
-          <a:lstStyle/>
-          <a:p>
-            <a:r>
-              <a:rPr lang="en-US" b="1" dirty="0" smtClean="0">
-                <a:effectLst>
-                  <a:outerShdw blurRad="38100" dist="38100" dir="2700000" algn="tl">
-                    <a:srgbClr val="000000">
-                      <a:alpha val="43137"/>
-                    </a:srgbClr>
-                  </a:outerShdw>
-                </a:effectLst>
-              </a:rPr>
-              <a:t>Practical Application</a:t>
-            </a:r>
-            <a:endParaRPr lang="en-US" b="1" dirty="0">
-              <a:effectLst>
-                <a:outerShdw blurRad="38100" dist="38100" dir="2700000" algn="tl">
-                  <a:srgbClr val="000000">
-                    <a:alpha val="43137"/>
-                  </a:srgbClr>
-                </a:outerShdw>
-              </a:effectLst>
-            </a:endParaRPr>
+            <p:ph idx="1"/>
+          </p:nvPr>
+        </p:nvSpPr>
+        <p:spPr>
+          <a:xfrm>
+            <a:off x="838200" y="385011"/>
+            <a:ext cx="10515600" cy="5791952"/>
+          </a:xfrm>
+        </p:spPr>
+        <p:txBody>
+          <a:bodyPr>
+            <a:normAutofit lnSpcReduction="10000"/>
+          </a:bodyPr>
+          <a:lstStyle/>
+          <a:p>
+            <a:pPr marL="0" indent="0">
+              <a:buNone/>
+            </a:pPr>
+            <a:r>
+              <a:rPr lang="en-US" b="1" u="sng" dirty="0" smtClean="0"/>
+              <a:t>Preparation</a:t>
+            </a:r>
+            <a:r>
+              <a:rPr lang="en-US" dirty="0" smtClean="0"/>
+              <a:t>: </a:t>
+            </a:r>
+          </a:p>
+          <a:p>
+            <a:pPr marL="914400" lvl="1" indent="-457200">
+              <a:buFont typeface="+mj-lt"/>
+              <a:buAutoNum type="arabicParenR"/>
+            </a:pPr>
+            <a:r>
+              <a:rPr lang="en-US" dirty="0" smtClean="0"/>
+              <a:t>Get an access to Google Collab</a:t>
+            </a:r>
+          </a:p>
+          <a:p>
+            <a:pPr marL="914400" lvl="1" indent="-457200">
+              <a:buFont typeface="+mj-lt"/>
+              <a:buAutoNum type="arabicParenR"/>
+            </a:pPr>
+            <a:r>
+              <a:rPr lang="en-US" dirty="0" smtClean="0"/>
+              <a:t>Open </a:t>
+            </a:r>
+            <a:r>
+              <a:rPr lang="en-US" dirty="0" err="1" smtClean="0"/>
+              <a:t>Jupyter</a:t>
+            </a:r>
+            <a:r>
+              <a:rPr lang="en-US" dirty="0" smtClean="0"/>
+              <a:t> </a:t>
+            </a:r>
+            <a:r>
+              <a:rPr lang="en-US" dirty="0"/>
+              <a:t>Notebook: https://colab.research.google.com/drive/1l4ZhBsPsXTfWr8nwvuFHREpHeHgU0Po_#scrollTo=ZM0up_dlsg5e</a:t>
+            </a:r>
+            <a:endParaRPr lang="en-US" dirty="0" smtClean="0"/>
+          </a:p>
+          <a:p>
+            <a:pPr marL="914400" lvl="1" indent="-457200">
+              <a:buFont typeface="+mj-lt"/>
+              <a:buAutoNum type="arabicParenR"/>
+            </a:pPr>
+            <a:r>
+              <a:rPr lang="en-US" dirty="0" smtClean="0"/>
+              <a:t>Set Up R</a:t>
+            </a:r>
+          </a:p>
+          <a:p>
+            <a:endParaRPr lang="en-US" dirty="0"/>
+          </a:p>
+          <a:p>
+            <a:pPr marL="0" indent="0">
+              <a:buNone/>
+            </a:pPr>
+            <a:r>
+              <a:rPr lang="en-US" b="1" u="sng" dirty="0" smtClean="0"/>
+              <a:t>Exercises:</a:t>
+            </a:r>
+          </a:p>
+          <a:p>
+            <a:pPr marL="971550" lvl="1" indent="-514350">
+              <a:buFont typeface="Arial" panose="020B0604020202020204" pitchFamily="34" charset="0"/>
+              <a:buAutoNum type="arabicParenR"/>
+            </a:pPr>
+            <a:r>
+              <a:rPr lang="en-US" dirty="0" smtClean="0"/>
+              <a:t>Create numerical features from textual data: </a:t>
+            </a:r>
+          </a:p>
+          <a:p>
+            <a:pPr marL="1428750" lvl="2" indent="-514350">
+              <a:buFont typeface="Arial" panose="020B0604020202020204" pitchFamily="34" charset="0"/>
+              <a:buAutoNum type="arabicParenR"/>
+            </a:pPr>
+            <a:r>
+              <a:rPr lang="en-US" dirty="0" smtClean="0"/>
+              <a:t>Bow (?)</a:t>
+            </a:r>
+          </a:p>
+          <a:p>
+            <a:pPr marL="1428750" lvl="2" indent="-514350">
+              <a:buFont typeface="Arial" panose="020B0604020202020204" pitchFamily="34" charset="0"/>
+              <a:buAutoNum type="arabicParenR"/>
+            </a:pPr>
+            <a:r>
+              <a:rPr lang="en-US" dirty="0" err="1" smtClean="0"/>
+              <a:t>Tf-Idf</a:t>
+            </a:r>
+            <a:r>
+              <a:rPr lang="en-US" dirty="0"/>
+              <a:t> </a:t>
+            </a:r>
+            <a:r>
+              <a:rPr lang="en-US" dirty="0" smtClean="0"/>
+              <a:t>(?)</a:t>
+            </a:r>
+          </a:p>
+          <a:p>
+            <a:pPr marL="971550" lvl="1" indent="-514350">
+              <a:buFont typeface="Arial" panose="020B0604020202020204" pitchFamily="34" charset="0"/>
+              <a:buAutoNum type="arabicParenR"/>
+            </a:pPr>
+            <a:r>
+              <a:rPr lang="en-US" dirty="0" smtClean="0"/>
+              <a:t>Visualize different topics:</a:t>
+            </a:r>
+          </a:p>
+          <a:p>
+            <a:pPr marL="1428750" lvl="2" indent="-514350">
+              <a:buFont typeface="Arial" panose="020B0604020202020204" pitchFamily="34" charset="0"/>
+              <a:buAutoNum type="arabicParenR"/>
+            </a:pPr>
+            <a:r>
+              <a:rPr lang="en-US" dirty="0" smtClean="0"/>
+              <a:t>Print all existing Topics in the data set.</a:t>
+            </a:r>
+          </a:p>
+          <a:p>
+            <a:pPr marL="1428750" lvl="2" indent="-514350">
+              <a:buFont typeface="Arial" panose="020B0604020202020204" pitchFamily="34" charset="0"/>
+              <a:buAutoNum type="arabicParenR"/>
+            </a:pPr>
+            <a:r>
+              <a:rPr lang="en-US" dirty="0" smtClean="0"/>
+              <a:t>Add 2 other topics to the </a:t>
+            </a:r>
+            <a:r>
+              <a:rPr lang="en-US" dirty="0" err="1" smtClean="0"/>
+              <a:t>barplot</a:t>
+            </a:r>
+            <a:r>
+              <a:rPr lang="en-US" dirty="0" smtClean="0"/>
+              <a:t> “</a:t>
+            </a:r>
+            <a:r>
+              <a:rPr lang="en-GB" dirty="0" smtClean="0"/>
+              <a:t>Distribution</a:t>
+            </a:r>
+            <a:r>
+              <a:rPr lang="en-GB" dirty="0"/>
+              <a:t> of Labels grouped by Topics over </a:t>
+            </a:r>
+            <a:r>
+              <a:rPr lang="en-GB" dirty="0" smtClean="0"/>
+              <a:t>Years”. Choose 2 more </a:t>
+            </a:r>
+            <a:r>
+              <a:rPr lang="en-GB" dirty="0" err="1" smtClean="0"/>
+              <a:t>colors</a:t>
+            </a:r>
+            <a:r>
+              <a:rPr lang="en-GB" dirty="0" smtClean="0"/>
+              <a:t>.</a:t>
+            </a:r>
+            <a:endParaRPr lang="en-US" dirty="0"/>
+          </a:p>
+          <a:p>
+            <a:pPr marL="1428750" lvl="2" indent="-514350">
+              <a:buFont typeface="Arial" panose="020B0604020202020204" pitchFamily="34" charset="0"/>
+              <a:buAutoNum type="arabicParenR"/>
+            </a:pPr>
+            <a:r>
+              <a:rPr lang="en-US" dirty="0"/>
+              <a:t>Generate </a:t>
+            </a:r>
+            <a:r>
+              <a:rPr lang="en-US" dirty="0" smtClean="0"/>
+              <a:t>the </a:t>
+            </a:r>
+            <a:r>
+              <a:rPr lang="en-US" dirty="0" err="1" smtClean="0"/>
+              <a:t>Wordclouds</a:t>
+            </a:r>
+            <a:r>
+              <a:rPr lang="en-US" dirty="0" smtClean="0"/>
+              <a:t> and the word frequency plot </a:t>
+            </a:r>
+            <a:r>
+              <a:rPr lang="en-US" dirty="0"/>
+              <a:t>for </a:t>
+            </a:r>
+            <a:r>
+              <a:rPr lang="en-US" dirty="0" smtClean="0"/>
+              <a:t>1 </a:t>
+            </a:r>
+            <a:r>
+              <a:rPr lang="en-US" dirty="0"/>
+              <a:t>other </a:t>
+            </a:r>
+            <a:r>
+              <a:rPr lang="en-US" dirty="0" smtClean="0"/>
+              <a:t>topic.</a:t>
+            </a:r>
+            <a:endParaRPr lang="en-GB" dirty="0"/>
+          </a:p>
+          <a:p>
+            <a:pPr marL="1428750" lvl="2" indent="-514350">
+              <a:buFont typeface="Arial" panose="020B0604020202020204" pitchFamily="34" charset="0"/>
+              <a:buAutoNum type="arabicParenR"/>
+            </a:pPr>
+            <a:endParaRPr lang="en-US" dirty="0" smtClean="0"/>
+          </a:p>
+          <a:p>
+            <a:pPr marL="1428750" lvl="2" indent="-514350">
+              <a:buFont typeface="Arial" panose="020B0604020202020204" pitchFamily="34" charset="0"/>
+              <a:buAutoNum type="arabicParenR"/>
+            </a:pPr>
+            <a:endParaRPr lang="en-US" dirty="0" smtClean="0"/>
+          </a:p>
+          <a:p>
+            <a:pPr marL="0" indent="0">
+              <a:buNone/>
+            </a:pPr>
+            <a:endParaRPr lang="en-US" dirty="0" smtClean="0"/>
+          </a:p>
+          <a:p>
+            <a:pPr marL="514350" indent="-514350">
+              <a:buAutoNum type="arabicParenR"/>
+            </a:pPr>
+            <a:endParaRPr lang="en-US" dirty="0" smtClean="0"/>
+          </a:p>
+          <a:p>
+            <a:pPr marL="514350" indent="-514350">
+              <a:buAutoNum type="arabicParenR"/>
+            </a:pPr>
+            <a:endParaRPr lang="en-US" dirty="0" smtClean="0"/>
           </a:p>
         </p:txBody>
       </p:sp>
@@ -11483,7 +11395,7 @@
     </p:spTree>
     <p:extLst>
       <p:ext uri="{BB962C8B-B14F-4D97-AF65-F5344CB8AC3E}">
-        <p14:creationId xmlns:p14="http://schemas.microsoft.com/office/powerpoint/2010/main" val="870340316"/>
+        <p14:creationId xmlns:p14="http://schemas.microsoft.com/office/powerpoint/2010/main" val="435130784"/>
       </p:ext>
     </p:extLst>
   </p:cSld>
@@ -11512,260 +11424,115 @@
       </p:grpSpPr>
       <p:sp>
         <p:nvSpPr>
-          <p:cNvPr id="3" name="Inhaltsplatzhalter 2"/>
+          <p:cNvPr id="2" name="Titel 1"/>
           <p:cNvSpPr>
             <a:spLocks noGrp="1"/>
           </p:cNvSpPr>
           <p:nvPr>
-            <p:ph idx="1"/>
-          </p:nvPr>
-        </p:nvSpPr>
-        <p:spPr>
-          <a:xfrm>
-            <a:off x="838200" y="385011"/>
-            <a:ext cx="10515600" cy="5791952"/>
-          </a:xfrm>
-        </p:spPr>
-        <p:txBody>
-          <a:bodyPr>
-            <a:normAutofit lnSpcReduction="10000"/>
-          </a:bodyPr>
-          <a:lstStyle/>
-          <a:p>
-            <a:pPr marL="0" indent="0">
-              <a:buNone/>
-            </a:pPr>
-            <a:r>
-              <a:rPr lang="en-US" b="1" u="sng" dirty="0" smtClean="0"/>
-              <a:t>Preparation</a:t>
-            </a:r>
-            <a:r>
-              <a:rPr lang="en-US" dirty="0" smtClean="0"/>
-              <a:t>: </a:t>
-            </a:r>
-          </a:p>
-          <a:p>
-            <a:pPr marL="914400" lvl="1" indent="-457200">
-              <a:buFont typeface="+mj-lt"/>
-              <a:buAutoNum type="arabicParenR"/>
-            </a:pPr>
-            <a:r>
-              <a:rPr lang="en-US" dirty="0" smtClean="0"/>
-              <a:t>Get an access to Google Collab</a:t>
-            </a:r>
-          </a:p>
-          <a:p>
-            <a:pPr marL="914400" lvl="1" indent="-457200">
-              <a:buFont typeface="+mj-lt"/>
-              <a:buAutoNum type="arabicParenR"/>
-            </a:pPr>
-            <a:r>
-              <a:rPr lang="en-US" dirty="0" smtClean="0"/>
-              <a:t>Open </a:t>
-            </a:r>
-            <a:r>
-              <a:rPr lang="en-US" dirty="0" err="1" smtClean="0"/>
-              <a:t>Jupyter</a:t>
-            </a:r>
-            <a:r>
-              <a:rPr lang="en-US" dirty="0" smtClean="0"/>
-              <a:t> </a:t>
-            </a:r>
-            <a:r>
-              <a:rPr lang="en-US" dirty="0"/>
-              <a:t>Notebook: https://colab.research.google.com/drive/1l4ZhBsPsXTfWr8nwvuFHREpHeHgU0Po_#scrollTo=ZM0up_dlsg5e</a:t>
-            </a:r>
-            <a:endParaRPr lang="en-US" dirty="0" smtClean="0"/>
-          </a:p>
-          <a:p>
-            <a:pPr marL="914400" lvl="1" indent="-457200">
-              <a:buFont typeface="+mj-lt"/>
-              <a:buAutoNum type="arabicParenR"/>
-            </a:pPr>
-            <a:r>
-              <a:rPr lang="en-US" dirty="0" smtClean="0"/>
-              <a:t>Set Up R</a:t>
-            </a:r>
-          </a:p>
-          <a:p>
-            <a:endParaRPr lang="en-US" dirty="0"/>
-          </a:p>
-          <a:p>
-            <a:pPr marL="0" indent="0">
-              <a:buNone/>
-            </a:pPr>
-            <a:r>
-              <a:rPr lang="en-US" b="1" u="sng" dirty="0" smtClean="0"/>
-              <a:t>Exercises:</a:t>
-            </a:r>
-          </a:p>
-          <a:p>
-            <a:pPr marL="971550" lvl="1" indent="-514350">
-              <a:buFont typeface="Arial" panose="020B0604020202020204" pitchFamily="34" charset="0"/>
-              <a:buAutoNum type="arabicParenR"/>
-            </a:pPr>
-            <a:r>
-              <a:rPr lang="en-US" dirty="0" smtClean="0"/>
-              <a:t>Create numerical features from textual data: </a:t>
-            </a:r>
-          </a:p>
-          <a:p>
-            <a:pPr marL="1428750" lvl="2" indent="-514350">
-              <a:buFont typeface="Arial" panose="020B0604020202020204" pitchFamily="34" charset="0"/>
-              <a:buAutoNum type="arabicParenR"/>
-            </a:pPr>
-            <a:r>
-              <a:rPr lang="en-US" dirty="0" smtClean="0"/>
-              <a:t>Bow (?)</a:t>
-            </a:r>
-          </a:p>
-          <a:p>
-            <a:pPr marL="1428750" lvl="2" indent="-514350">
-              <a:buFont typeface="Arial" panose="020B0604020202020204" pitchFamily="34" charset="0"/>
-              <a:buAutoNum type="arabicParenR"/>
-            </a:pPr>
-            <a:r>
-              <a:rPr lang="en-US" dirty="0" err="1" smtClean="0"/>
-              <a:t>Tf-Idf</a:t>
-            </a:r>
-            <a:r>
-              <a:rPr lang="en-US" dirty="0"/>
-              <a:t> </a:t>
-            </a:r>
-            <a:r>
-              <a:rPr lang="en-US" dirty="0" smtClean="0"/>
-              <a:t>(?)</a:t>
-            </a:r>
-          </a:p>
-          <a:p>
-            <a:pPr marL="971550" lvl="1" indent="-514350">
-              <a:buFont typeface="Arial" panose="020B0604020202020204" pitchFamily="34" charset="0"/>
-              <a:buAutoNum type="arabicParenR"/>
-            </a:pPr>
-            <a:r>
-              <a:rPr lang="en-US" dirty="0" smtClean="0"/>
-              <a:t>Visualize different topics:</a:t>
-            </a:r>
-          </a:p>
-          <a:p>
-            <a:pPr marL="1428750" lvl="2" indent="-514350">
-              <a:buFont typeface="Arial" panose="020B0604020202020204" pitchFamily="34" charset="0"/>
-              <a:buAutoNum type="arabicParenR"/>
-            </a:pPr>
-            <a:r>
-              <a:rPr lang="en-US" dirty="0" smtClean="0"/>
-              <a:t>Print all existing Topics in the data set.</a:t>
-            </a:r>
-          </a:p>
-          <a:p>
-            <a:pPr marL="1428750" lvl="2" indent="-514350">
-              <a:buFont typeface="Arial" panose="020B0604020202020204" pitchFamily="34" charset="0"/>
-              <a:buAutoNum type="arabicParenR"/>
-            </a:pPr>
-            <a:r>
-              <a:rPr lang="en-US" dirty="0" smtClean="0"/>
-              <a:t>Add 2 other topics to the </a:t>
-            </a:r>
-            <a:r>
-              <a:rPr lang="en-US" dirty="0" err="1" smtClean="0"/>
-              <a:t>barplot</a:t>
-            </a:r>
-            <a:r>
-              <a:rPr lang="en-US" dirty="0" smtClean="0"/>
-              <a:t> “</a:t>
-            </a:r>
-            <a:r>
-              <a:rPr lang="en-GB" dirty="0" smtClean="0"/>
-              <a:t>Distribution</a:t>
-            </a:r>
-            <a:r>
-              <a:rPr lang="en-GB" dirty="0"/>
-              <a:t> of Labels grouped by Topics over </a:t>
-            </a:r>
-            <a:r>
-              <a:rPr lang="en-GB" dirty="0" smtClean="0"/>
-              <a:t>Years”. Choose 2 more </a:t>
-            </a:r>
-            <a:r>
-              <a:rPr lang="en-GB" dirty="0" err="1" smtClean="0"/>
-              <a:t>colors</a:t>
-            </a:r>
-            <a:r>
-              <a:rPr lang="en-GB" dirty="0" smtClean="0"/>
-              <a:t>.</a:t>
-            </a:r>
-            <a:endParaRPr lang="en-US" dirty="0"/>
-          </a:p>
-          <a:p>
-            <a:pPr marL="1428750" lvl="2" indent="-514350">
-              <a:buFont typeface="Arial" panose="020B0604020202020204" pitchFamily="34" charset="0"/>
-              <a:buAutoNum type="arabicParenR"/>
-            </a:pPr>
-            <a:r>
-              <a:rPr lang="en-US" dirty="0"/>
-              <a:t>Generate </a:t>
-            </a:r>
-            <a:r>
-              <a:rPr lang="en-US" dirty="0" smtClean="0"/>
-              <a:t>the </a:t>
-            </a:r>
-            <a:r>
-              <a:rPr lang="en-US" dirty="0" err="1" smtClean="0"/>
-              <a:t>Wordclouds</a:t>
-            </a:r>
-            <a:r>
-              <a:rPr lang="en-US" dirty="0" smtClean="0"/>
-              <a:t> and the word frequency plot </a:t>
-            </a:r>
-            <a:r>
-              <a:rPr lang="en-US" dirty="0"/>
-              <a:t>for </a:t>
-            </a:r>
-            <a:r>
-              <a:rPr lang="en-US" dirty="0" smtClean="0"/>
-              <a:t>1 </a:t>
-            </a:r>
-            <a:r>
-              <a:rPr lang="en-US" dirty="0"/>
-              <a:t>other </a:t>
-            </a:r>
-            <a:r>
-              <a:rPr lang="en-US" dirty="0" smtClean="0"/>
-              <a:t>topic.</a:t>
-            </a:r>
-            <a:endParaRPr lang="en-GB" dirty="0"/>
-          </a:p>
-          <a:p>
-            <a:pPr marL="1428750" lvl="2" indent="-514350">
-              <a:buFont typeface="Arial" panose="020B0604020202020204" pitchFamily="34" charset="0"/>
-              <a:buAutoNum type="arabicParenR"/>
-            </a:pPr>
-            <a:endParaRPr lang="en-US" dirty="0" smtClean="0"/>
-          </a:p>
-          <a:p>
-            <a:pPr marL="1428750" lvl="2" indent="-514350">
-              <a:buFont typeface="Arial" panose="020B0604020202020204" pitchFamily="34" charset="0"/>
-              <a:buAutoNum type="arabicParenR"/>
-            </a:pPr>
-            <a:endParaRPr lang="en-US" dirty="0" smtClean="0"/>
-          </a:p>
-          <a:p>
-            <a:pPr marL="0" indent="0">
-              <a:buNone/>
-            </a:pPr>
-            <a:endParaRPr lang="en-US" dirty="0" smtClean="0"/>
-          </a:p>
-          <a:p>
-            <a:pPr marL="514350" indent="-514350">
-              <a:buAutoNum type="arabicParenR"/>
-            </a:pPr>
-            <a:endParaRPr lang="en-US" dirty="0" smtClean="0"/>
-          </a:p>
-          <a:p>
-            <a:pPr marL="514350" indent="-514350">
-              <a:buAutoNum type="arabicParenR"/>
-            </a:pPr>
-            <a:endParaRPr lang="en-US" dirty="0" smtClean="0"/>
+            <p:ph type="title"/>
+          </p:nvPr>
+        </p:nvSpPr>
+        <p:spPr/>
+        <p:txBody>
+          <a:bodyPr/>
+          <a:lstStyle/>
+          <a:p>
+            <a:r>
+              <a:rPr lang="en-US" b="1" dirty="0">
+                <a:effectLst>
+                  <a:outerShdw blurRad="38100" dist="38100" dir="2700000" algn="tl">
+                    <a:srgbClr val="000000">
+                      <a:alpha val="43137"/>
+                    </a:srgbClr>
+                  </a:outerShdw>
+                </a:effectLst>
+              </a:rPr>
+              <a:t>Part III: </a:t>
+            </a:r>
+            <a:r>
+              <a:rPr lang="en-US" b="1" dirty="0" smtClean="0">
+                <a:effectLst>
+                  <a:outerShdw blurRad="38100" dist="38100" dir="2700000" algn="tl">
+                    <a:srgbClr val="000000">
+                      <a:alpha val="43137"/>
+                    </a:srgbClr>
+                  </a:outerShdw>
+                </a:effectLst>
+              </a:rPr>
+              <a:t>Feature Extraction &amp; </a:t>
+            </a:r>
+            <a:r>
+              <a:rPr lang="en-US" b="1" dirty="0">
+                <a:effectLst>
+                  <a:outerShdw blurRad="38100" dist="38100" dir="2700000" algn="tl">
+                    <a:srgbClr val="000000">
+                      <a:alpha val="43137"/>
+                    </a:srgbClr>
+                  </a:outerShdw>
+                </a:effectLst>
+              </a:rPr>
+              <a:t>Machine </a:t>
+            </a:r>
+            <a:r>
+              <a:rPr lang="en-US" b="1" dirty="0" smtClean="0">
+                <a:effectLst>
+                  <a:outerShdw blurRad="38100" dist="38100" dir="2700000" algn="tl">
+                    <a:srgbClr val="000000">
+                      <a:alpha val="43137"/>
+                    </a:srgbClr>
+                  </a:outerShdw>
+                </a:effectLst>
+              </a:rPr>
+              <a:t>Learning</a:t>
+            </a:r>
+            <a:endParaRPr lang="en-US" b="1" dirty="0">
+              <a:effectLst>
+                <a:outerShdw blurRad="38100" dist="38100" dir="2700000" algn="tl">
+                  <a:srgbClr val="000000">
+                    <a:alpha val="43137"/>
+                  </a:srgbClr>
+                </a:outerShdw>
+              </a:effectLst>
+            </a:endParaRPr>
+          </a:p>
+        </p:txBody>
+      </p:sp>
+      <p:sp>
+        <p:nvSpPr>
+          <p:cNvPr id="3" name="Textplatzhalter 2"/>
+          <p:cNvSpPr>
+            <a:spLocks noGrp="1"/>
+          </p:cNvSpPr>
+          <p:nvPr>
+            <p:ph type="body" idx="1"/>
+          </p:nvPr>
+        </p:nvSpPr>
+        <p:spPr/>
+        <p:txBody>
+          <a:bodyPr/>
+          <a:lstStyle/>
+          <a:p>
+            <a:r>
+              <a:rPr lang="en-US" b="1" dirty="0" smtClean="0">
+                <a:effectLst>
+                  <a:outerShdw blurRad="38100" dist="38100" dir="2700000" algn="tl">
+                    <a:srgbClr val="000000">
+                      <a:alpha val="43137"/>
+                    </a:srgbClr>
+                  </a:outerShdw>
+                </a:effectLst>
+              </a:rPr>
+              <a:t>Literature and References</a:t>
+            </a:r>
+            <a:endParaRPr lang="en-US" b="1" dirty="0">
+              <a:effectLst>
+                <a:outerShdw blurRad="38100" dist="38100" dir="2700000" algn="tl">
+                  <a:srgbClr val="000000">
+                    <a:alpha val="43137"/>
+                  </a:srgbClr>
+                </a:outerShdw>
+              </a:effectLst>
+            </a:endParaRPr>
           </a:p>
         </p:txBody>
       </p:sp>
@@ -11795,7 +11562,7 @@
     </p:spTree>
     <p:extLst>
       <p:ext uri="{BB962C8B-B14F-4D97-AF65-F5344CB8AC3E}">
-        <p14:creationId xmlns:p14="http://schemas.microsoft.com/office/powerpoint/2010/main" val="435130784"/>
+        <p14:creationId xmlns:p14="http://schemas.microsoft.com/office/powerpoint/2010/main" val="3419717452"/>
       </p:ext>
     </p:extLst>
   </p:cSld>
@@ -11824,173 +11591,6 @@
       </p:grpSpPr>
       <p:sp>
         <p:nvSpPr>
-          <p:cNvPr id="2" name="Titel 1"/>
-          <p:cNvSpPr>
-            <a:spLocks noGrp="1"/>
-          </p:cNvSpPr>
-          <p:nvPr>
-            <p:ph type="title"/>
-          </p:nvPr>
-        </p:nvSpPr>
-        <p:spPr/>
-        <p:txBody>
-          <a:bodyPr/>
-          <a:lstStyle/>
-          <a:p>
-            <a:r>
-              <a:rPr lang="en-US" b="1" dirty="0">
-                <a:effectLst>
-                  <a:outerShdw blurRad="38100" dist="38100" dir="2700000" algn="tl">
-                    <a:srgbClr val="000000">
-                      <a:alpha val="43137"/>
-                    </a:srgbClr>
-                  </a:outerShdw>
-                </a:effectLst>
-              </a:rPr>
-              <a:t>Part III: </a:t>
-            </a:r>
-            <a:r>
-              <a:rPr lang="en-US" b="1" dirty="0" smtClean="0">
-                <a:effectLst>
-                  <a:outerShdw blurRad="38100" dist="38100" dir="2700000" algn="tl">
-                    <a:srgbClr val="000000">
-                      <a:alpha val="43137"/>
-                    </a:srgbClr>
-                  </a:outerShdw>
-                </a:effectLst>
-              </a:rPr>
-              <a:t>Feature Extraction &amp; </a:t>
-            </a:r>
-            <a:r>
-              <a:rPr lang="en-US" b="1" dirty="0">
-                <a:effectLst>
-                  <a:outerShdw blurRad="38100" dist="38100" dir="2700000" algn="tl">
-                    <a:srgbClr val="000000">
-                      <a:alpha val="43137"/>
-                    </a:srgbClr>
-                  </a:outerShdw>
-                </a:effectLst>
-              </a:rPr>
-              <a:t>Machine </a:t>
-            </a:r>
-            <a:r>
-              <a:rPr lang="en-US" b="1" dirty="0" smtClean="0">
-                <a:effectLst>
-                  <a:outerShdw blurRad="38100" dist="38100" dir="2700000" algn="tl">
-                    <a:srgbClr val="000000">
-                      <a:alpha val="43137"/>
-                    </a:srgbClr>
-                  </a:outerShdw>
-                </a:effectLst>
-              </a:rPr>
-              <a:t>Learning</a:t>
-            </a:r>
-            <a:endParaRPr lang="en-US" b="1" dirty="0">
-              <a:effectLst>
-                <a:outerShdw blurRad="38100" dist="38100" dir="2700000" algn="tl">
-                  <a:srgbClr val="000000">
-                    <a:alpha val="43137"/>
-                  </a:srgbClr>
-                </a:outerShdw>
-              </a:effectLst>
-            </a:endParaRPr>
-          </a:p>
-        </p:txBody>
-      </p:sp>
-      <p:sp>
-        <p:nvSpPr>
-          <p:cNvPr id="3" name="Textplatzhalter 2"/>
-          <p:cNvSpPr>
-            <a:spLocks noGrp="1"/>
-          </p:cNvSpPr>
-          <p:nvPr>
-            <p:ph type="body" idx="1"/>
-          </p:nvPr>
-        </p:nvSpPr>
-        <p:spPr/>
-        <p:txBody>
-          <a:bodyPr/>
-          <a:lstStyle/>
-          <a:p>
-            <a:r>
-              <a:rPr lang="en-US" b="1" dirty="0" smtClean="0">
-                <a:effectLst>
-                  <a:outerShdw blurRad="38100" dist="38100" dir="2700000" algn="tl">
-                    <a:srgbClr val="000000">
-                      <a:alpha val="43137"/>
-                    </a:srgbClr>
-                  </a:outerShdw>
-                </a:effectLst>
-              </a:rPr>
-              <a:t>Literature and References</a:t>
-            </a:r>
-            <a:endParaRPr lang="en-US" b="1" dirty="0">
-              <a:effectLst>
-                <a:outerShdw blurRad="38100" dist="38100" dir="2700000" algn="tl">
-                  <a:srgbClr val="000000">
-                    <a:alpha val="43137"/>
-                  </a:srgbClr>
-                </a:outerShdw>
-              </a:effectLst>
-            </a:endParaRPr>
-          </a:p>
-        </p:txBody>
-      </p:sp>
-      <p:sp>
-        <p:nvSpPr>
-          <p:cNvPr id="4" name="Foliennummernplatzhalter 3"/>
-          <p:cNvSpPr>
-            <a:spLocks noGrp="1"/>
-          </p:cNvSpPr>
-          <p:nvPr>
-            <p:ph type="sldNum" sz="quarter" idx="12"/>
-          </p:nvPr>
-        </p:nvSpPr>
-        <p:spPr/>
-        <p:txBody>
-          <a:bodyPr/>
-          <a:lstStyle/>
-          <a:p>
-            <a:fld id="{C9E0B00B-E6DF-4183-A694-3DE28BEFB357}" type="slidenum">
-              <a:rPr lang="en-US" smtClean="0"/>
-              <a:t>23</a:t>
-            </a:fld>
-            <a:endParaRPr lang="en-US"/>
-          </a:p>
-        </p:txBody>
-      </p:sp>
-    </p:spTree>
-    <p:extLst>
-      <p:ext uri="{BB962C8B-B14F-4D97-AF65-F5344CB8AC3E}">
-        <p14:creationId xmlns:p14="http://schemas.microsoft.com/office/powerpoint/2010/main" val="3419717452"/>
-      </p:ext>
-    </p:extLst>
-  </p:cSld>
-  <p:clrMapOvr>
-    <a:masterClrMapping/>
-  </p:clrMapOvr>
-</p:sld>
-</file>
-
-<file path=ppt/slides/slide24.xml><?xml version="1.0" encoding="utf-8"?>
-<p:sld xmlns:a="http://schemas.openxmlformats.org/drawingml/2006/main" xmlns:r="http://schemas.openxmlformats.org/officeDocument/2006/relationships" xmlns:p="http://schemas.openxmlformats.org/presentationml/2006/main">
-  <p:cSld>
-    <p:spTree>
-      <p:nvGrpSpPr>
-        <p:cNvPr id="1" name=""/>
-        <p:cNvGrpSpPr/>
-        <p:nvPr/>
-      </p:nvGrpSpPr>
-      <p:grpSpPr>
-        <a:xfrm>
-          <a:off x="0" y="0"/>
-          <a:ext cx="0" cy="0"/>
-          <a:chOff x="0" y="0"/>
-          <a:chExt cx="0" cy="0"/>
-        </a:xfrm>
-      </p:grpSpPr>
-      <p:sp>
-        <p:nvSpPr>
           <p:cNvPr id="3" name="Inhaltsplatzhalter 2"/>
           <p:cNvSpPr>
             <a:spLocks noGrp="1"/>
@@ -12124,7 +11724,7 @@
           <a:p>
             <a:fld id="{C9E0B00B-E6DF-4183-A694-3DE28BEFB357}" type="slidenum">
               <a:rPr lang="en-US" smtClean="0"/>
-              <a:t>24</a:t>
+              <a:t>23</a:t>
             </a:fld>
             <a:endParaRPr lang="en-US"/>
           </a:p>
@@ -15110,199 +14710,6 @@
           <a:p>
             <a:r>
               <a:rPr lang="en-US" dirty="0"/>
-              <a:t>Vocabulary </a:t>
-            </a:r>
-            <a:r>
-              <a:rPr lang="en-US" dirty="0" smtClean="0"/>
-              <a:t>based Feature </a:t>
-            </a:r>
-            <a:r>
-              <a:rPr lang="en-US" dirty="0"/>
-              <a:t>Extraction </a:t>
-            </a:r>
-          </a:p>
-        </p:txBody>
-      </p:sp>
-      <p:sp>
-        <p:nvSpPr>
-          <p:cNvPr id="3" name="Inhaltsplatzhalter 2"/>
-          <p:cNvSpPr>
-            <a:spLocks noGrp="1"/>
-          </p:cNvSpPr>
-          <p:nvPr>
-            <p:ph idx="1"/>
-          </p:nvPr>
-        </p:nvSpPr>
-        <p:spPr/>
-        <p:txBody>
-          <a:bodyPr/>
-          <a:lstStyle/>
-          <a:p>
-            <a:r>
-              <a:rPr lang="en-GB" dirty="0" smtClean="0"/>
-              <a:t>Term </a:t>
-            </a:r>
-            <a:r>
-              <a:rPr lang="en-GB" dirty="0"/>
-              <a:t>frequency - inverse document frequency</a:t>
-            </a:r>
-            <a:r>
-              <a:rPr lang="en-US" dirty="0" smtClean="0"/>
-              <a:t> (BOW) – Example:</a:t>
-            </a:r>
-          </a:p>
-          <a:p>
-            <a:pPr lvl="1"/>
-            <a:r>
-              <a:rPr lang="en-GB" dirty="0" err="1"/>
-              <a:t>Dokument</a:t>
-            </a:r>
-            <a:r>
-              <a:rPr lang="en-GB" dirty="0"/>
-              <a:t> 1: he likes eating banana </a:t>
-            </a:r>
-            <a:endParaRPr lang="en-GB" dirty="0" smtClean="0"/>
-          </a:p>
-          <a:p>
-            <a:pPr lvl="1"/>
-            <a:r>
-              <a:rPr lang="en-GB" dirty="0" err="1" smtClean="0"/>
-              <a:t>Dokument</a:t>
-            </a:r>
-            <a:r>
-              <a:rPr lang="en-GB" dirty="0" smtClean="0"/>
-              <a:t> 2</a:t>
-            </a:r>
-            <a:r>
-              <a:rPr lang="en-GB" dirty="0"/>
-              <a:t>: she likes eating cakes he likes drinking banana </a:t>
-            </a:r>
-            <a:r>
-              <a:rPr lang="en-GB" dirty="0" smtClean="0"/>
-              <a:t>juice</a:t>
-            </a:r>
-          </a:p>
-          <a:p>
-            <a:pPr lvl="1"/>
-            <a:r>
-              <a:rPr lang="en-GB" dirty="0" err="1" smtClean="0"/>
-              <a:t>Dokument</a:t>
-            </a:r>
-            <a:r>
-              <a:rPr lang="en-GB" dirty="0" smtClean="0"/>
-              <a:t> </a:t>
-            </a:r>
-            <a:r>
-              <a:rPr lang="en-GB" dirty="0"/>
-              <a:t>3: he likes drinking tomato juice</a:t>
-            </a:r>
-            <a:r>
-              <a:rPr lang="en-US" dirty="0" smtClean="0"/>
-              <a:t> </a:t>
-            </a:r>
-          </a:p>
-          <a:p>
-            <a:endParaRPr lang="en-US" dirty="0"/>
-          </a:p>
-          <a:p>
-            <a:endParaRPr lang="en-US" dirty="0" smtClean="0"/>
-          </a:p>
-        </p:txBody>
-      </p:sp>
-      <p:sp>
-        <p:nvSpPr>
-          <p:cNvPr id="4" name="Foliennummernplatzhalter 3"/>
-          <p:cNvSpPr>
-            <a:spLocks noGrp="1"/>
-          </p:cNvSpPr>
-          <p:nvPr>
-            <p:ph type="sldNum" sz="quarter" idx="12"/>
-          </p:nvPr>
-        </p:nvSpPr>
-        <p:spPr/>
-        <p:txBody>
-          <a:bodyPr/>
-          <a:lstStyle/>
-          <a:p>
-            <a:fld id="{C9E0B00B-E6DF-4183-A694-3DE28BEFB357}" type="slidenum">
-              <a:rPr lang="en-US" smtClean="0"/>
-              <a:t>8</a:t>
-            </a:fld>
-            <a:endParaRPr lang="en-US"/>
-          </a:p>
-        </p:txBody>
-      </p:sp>
-      <p:pic>
-        <p:nvPicPr>
-          <p:cNvPr id="6" name="Grafik 5"/>
-          <p:cNvPicPr>
-            <a:picLocks noChangeAspect="1"/>
-          </p:cNvPicPr>
-          <p:nvPr/>
-        </p:nvPicPr>
-        <p:blipFill>
-          <a:blip r:embed="rId3"/>
-          <a:stretch>
-            <a:fillRect/>
-          </a:stretch>
-        </p:blipFill>
-        <p:spPr>
-          <a:xfrm>
-            <a:off x="693821" y="3908519"/>
-            <a:ext cx="11097126" cy="1743641"/>
-          </a:xfrm>
-          <a:prstGeom prst="rect">
-            <a:avLst/>
-          </a:prstGeom>
-        </p:spPr>
-      </p:pic>
-    </p:spTree>
-    <p:extLst>
-      <p:ext uri="{BB962C8B-B14F-4D97-AF65-F5344CB8AC3E}">
-        <p14:creationId xmlns:p14="http://schemas.microsoft.com/office/powerpoint/2010/main" val="1209470447"/>
-      </p:ext>
-    </p:extLst>
-  </p:cSld>
-  <p:clrMapOvr>
-    <a:masterClrMapping/>
-  </p:clrMapOvr>
-</p:sld>
-</file>
-
-<file path=ppt/slides/slide9.xml><?xml version="1.0" encoding="utf-8"?>
-<p:sld xmlns:a="http://schemas.openxmlformats.org/drawingml/2006/main" xmlns:r="http://schemas.openxmlformats.org/officeDocument/2006/relationships" xmlns:p="http://schemas.openxmlformats.org/presentationml/2006/main">
-  <p:cSld>
-    <p:spTree>
-      <p:nvGrpSpPr>
-        <p:cNvPr id="1" name=""/>
-        <p:cNvGrpSpPr/>
-        <p:nvPr/>
-      </p:nvGrpSpPr>
-      <p:grpSpPr>
-        <a:xfrm>
-          <a:off x="0" y="0"/>
-          <a:ext cx="0" cy="0"/>
-          <a:chOff x="0" y="0"/>
-          <a:chExt cx="0" cy="0"/>
-        </a:xfrm>
-      </p:grpSpPr>
-      <p:sp>
-        <p:nvSpPr>
-          <p:cNvPr id="2" name="Titel 1"/>
-          <p:cNvSpPr>
-            <a:spLocks noGrp="1"/>
-          </p:cNvSpPr>
-          <p:nvPr>
-            <p:ph type="title"/>
-          </p:nvPr>
-        </p:nvSpPr>
-        <p:spPr/>
-        <p:txBody>
-          <a:bodyPr/>
-          <a:lstStyle/>
-          <a:p>
-            <a:r>
-              <a:rPr lang="en-US" dirty="0"/>
               <a:t>Unsupervised Word Vectors</a:t>
             </a:r>
           </a:p>
@@ -15697,7 +15104,7 @@
           <a:p>
             <a:fld id="{C9E0B00B-E6DF-4183-A694-3DE28BEFB357}" type="slidenum">
               <a:rPr lang="en-US" smtClean="0"/>
-              <a:t>9</a:t>
+              <a:t>8</a:t>
             </a:fld>
             <a:endParaRPr lang="en-US"/>
           </a:p>
@@ -15707,6 +15114,293 @@
     <p:extLst>
       <p:ext uri="{BB962C8B-B14F-4D97-AF65-F5344CB8AC3E}">
         <p14:creationId xmlns:p14="http://schemas.microsoft.com/office/powerpoint/2010/main" val="3887854486"/>
+      </p:ext>
+    </p:extLst>
+  </p:cSld>
+  <p:clrMapOvr>
+    <a:masterClrMapping/>
+  </p:clrMapOvr>
+</p:sld>
+</file>
+
+<file path=ppt/slides/slide9.xml><?xml version="1.0" encoding="utf-8"?>
+<p:sld xmlns:a="http://schemas.openxmlformats.org/drawingml/2006/main" xmlns:r="http://schemas.openxmlformats.org/officeDocument/2006/relationships" xmlns:p="http://schemas.openxmlformats.org/presentationml/2006/main">
+  <p:cSld>
+    <p:spTree>
+      <p:nvGrpSpPr>
+        <p:cNvPr id="1" name=""/>
+        <p:cNvGrpSpPr/>
+        <p:nvPr/>
+      </p:nvGrpSpPr>
+      <p:grpSpPr>
+        <a:xfrm>
+          <a:off x="0" y="0"/>
+          <a:ext cx="0" cy="0"/>
+          <a:chOff x="0" y="0"/>
+          <a:chExt cx="0" cy="0"/>
+        </a:xfrm>
+      </p:grpSpPr>
+      <p:sp>
+        <p:nvSpPr>
+          <p:cNvPr id="2" name="Titel 1"/>
+          <p:cNvSpPr>
+            <a:spLocks noGrp="1"/>
+          </p:cNvSpPr>
+          <p:nvPr>
+            <p:ph type="title"/>
+          </p:nvPr>
+        </p:nvSpPr>
+        <p:spPr/>
+        <p:txBody>
+          <a:bodyPr/>
+          <a:lstStyle/>
+          <a:p>
+            <a:r>
+              <a:rPr lang="en-US" dirty="0" smtClean="0"/>
+              <a:t>Comparison of two approaches</a:t>
+            </a:r>
+            <a:endParaRPr lang="en-US" dirty="0"/>
+          </a:p>
+        </p:txBody>
+      </p:sp>
+      <p:sp>
+        <p:nvSpPr>
+          <p:cNvPr id="3" name="Inhaltsplatzhalter 2"/>
+          <p:cNvSpPr>
+            <a:spLocks noGrp="1"/>
+          </p:cNvSpPr>
+          <p:nvPr>
+            <p:ph idx="1"/>
+          </p:nvPr>
+        </p:nvSpPr>
+        <p:spPr/>
+        <p:txBody>
+          <a:bodyPr>
+            <a:normAutofit fontScale="92500"/>
+          </a:bodyPr>
+          <a:lstStyle/>
+          <a:p>
+            <a:r>
+              <a:rPr lang="de-DE" dirty="0" err="1" smtClean="0"/>
+              <a:t>Both</a:t>
+            </a:r>
+            <a:r>
+              <a:rPr lang="de-DE" dirty="0"/>
+              <a:t> </a:t>
+            </a:r>
+            <a:r>
+              <a:rPr lang="de-DE" dirty="0" err="1" smtClean="0"/>
+              <a:t>result</a:t>
+            </a:r>
+            <a:r>
+              <a:rPr lang="de-DE" dirty="0" smtClean="0"/>
+              <a:t> in </a:t>
+            </a:r>
+            <a:r>
+              <a:rPr lang="de-DE" dirty="0" err="1" smtClean="0"/>
+              <a:t>vector</a:t>
+            </a:r>
+            <a:r>
+              <a:rPr lang="de-DE" dirty="0" smtClean="0"/>
+              <a:t> </a:t>
+            </a:r>
+            <a:r>
+              <a:rPr lang="de-DE" dirty="0" err="1" smtClean="0"/>
+              <a:t>represenation</a:t>
+            </a:r>
+            <a:r>
+              <a:rPr lang="de-DE" dirty="0" smtClean="0"/>
+              <a:t> </a:t>
+            </a:r>
+            <a:r>
+              <a:rPr lang="de-DE" dirty="0" err="1" smtClean="0"/>
+              <a:t>for</a:t>
+            </a:r>
+            <a:r>
+              <a:rPr lang="de-DE" dirty="0" smtClean="0"/>
+              <a:t> </a:t>
+            </a:r>
+            <a:r>
+              <a:rPr lang="de-DE" dirty="0" err="1" smtClean="0"/>
+              <a:t>each</a:t>
+            </a:r>
+            <a:r>
+              <a:rPr lang="de-DE" dirty="0" smtClean="0"/>
+              <a:t> </a:t>
+            </a:r>
+            <a:r>
+              <a:rPr lang="de-DE" dirty="0" err="1" smtClean="0"/>
+              <a:t>word</a:t>
+            </a:r>
+            <a:r>
+              <a:rPr lang="de-DE" dirty="0" smtClean="0"/>
+              <a:t> </a:t>
+            </a:r>
+            <a:r>
+              <a:rPr lang="de-DE" dirty="0" err="1" smtClean="0"/>
+              <a:t>contained</a:t>
+            </a:r>
+            <a:r>
+              <a:rPr lang="de-DE" dirty="0" smtClean="0"/>
+              <a:t> in a </a:t>
+            </a:r>
+            <a:r>
+              <a:rPr lang="de-DE" dirty="0" err="1" smtClean="0"/>
+              <a:t>corpus</a:t>
+            </a:r>
+            <a:endParaRPr lang="de-DE" dirty="0" smtClean="0"/>
+          </a:p>
+          <a:p>
+            <a:r>
+              <a:rPr lang="en-US" dirty="0" err="1"/>
+              <a:t>BoW</a:t>
+            </a:r>
+            <a:r>
+              <a:rPr lang="en-US" dirty="0"/>
+              <a:t> model does not consider the ordering, semantics</a:t>
+            </a:r>
+          </a:p>
+          <a:p>
+            <a:r>
+              <a:rPr lang="de-DE" dirty="0" err="1" smtClean="0"/>
+              <a:t>Lower</a:t>
+            </a:r>
+            <a:r>
+              <a:rPr lang="de-DE" dirty="0" smtClean="0"/>
+              <a:t> </a:t>
+            </a:r>
+            <a:r>
+              <a:rPr lang="de-DE" dirty="0" err="1" smtClean="0"/>
+              <a:t>dimensionality</a:t>
+            </a:r>
+            <a:r>
+              <a:rPr lang="de-DE" dirty="0" smtClean="0"/>
+              <a:t> </a:t>
+            </a:r>
+            <a:r>
+              <a:rPr lang="de-DE" dirty="0" err="1" smtClean="0"/>
+              <a:t>for</a:t>
+            </a:r>
+            <a:r>
+              <a:rPr lang="de-DE" dirty="0" smtClean="0"/>
+              <a:t> </a:t>
+            </a:r>
+            <a:r>
+              <a:rPr lang="de-DE" dirty="0" err="1" smtClean="0"/>
+              <a:t>GloVE</a:t>
+            </a:r>
+            <a:r>
+              <a:rPr lang="de-DE" dirty="0" smtClean="0"/>
+              <a:t> (i.e. 100-300), </a:t>
+            </a:r>
+            <a:r>
+              <a:rPr lang="de-DE" dirty="0" err="1" smtClean="0"/>
+              <a:t>whereas</a:t>
+            </a:r>
+            <a:r>
+              <a:rPr lang="de-DE" dirty="0" smtClean="0"/>
+              <a:t> </a:t>
+            </a:r>
+            <a:r>
+              <a:rPr lang="de-DE" dirty="0" err="1" smtClean="0"/>
+              <a:t>for</a:t>
+            </a:r>
+            <a:r>
+              <a:rPr lang="de-DE" dirty="0" smtClean="0"/>
+              <a:t> BOW (i.e. 100000)</a:t>
+            </a:r>
+          </a:p>
+          <a:p>
+            <a:r>
+              <a:rPr lang="en-US" dirty="0" smtClean="0"/>
+              <a:t>Approximate consideration of word semantics </a:t>
+            </a:r>
+            <a:r>
+              <a:rPr lang="en-US" dirty="0" smtClean="0">
+                <a:sym typeface="Wingdings" panose="05000000000000000000" pitchFamily="2" charset="2"/>
+              </a:rPr>
+              <a:t> large and “good” corpus for </a:t>
+            </a:r>
+            <a:r>
+              <a:rPr lang="en-US" dirty="0" err="1" smtClean="0">
+                <a:sym typeface="Wingdings" panose="05000000000000000000" pitchFamily="2" charset="2"/>
+              </a:rPr>
+              <a:t>meaningfull</a:t>
+            </a:r>
+            <a:r>
+              <a:rPr lang="en-US" dirty="0" smtClean="0">
+                <a:sym typeface="Wingdings" panose="05000000000000000000" pitchFamily="2" charset="2"/>
+              </a:rPr>
+              <a:t> vector representations needed</a:t>
+            </a:r>
+          </a:p>
+          <a:p>
+            <a:r>
+              <a:rPr lang="en-US" dirty="0" err="1" smtClean="0">
+                <a:sym typeface="Wingdings" panose="05000000000000000000" pitchFamily="2" charset="2"/>
+              </a:rPr>
+              <a:t>Pretrained</a:t>
+            </a:r>
+            <a:r>
+              <a:rPr lang="en-US" dirty="0" smtClean="0">
+                <a:sym typeface="Wingdings" panose="05000000000000000000" pitchFamily="2" charset="2"/>
+              </a:rPr>
+              <a:t> models usually fail on target tasks with different domain (null vector for unknown, special context words)</a:t>
+            </a:r>
+          </a:p>
+          <a:p>
+            <a:r>
+              <a:rPr lang="en-US" dirty="0" err="1">
+                <a:sym typeface="Wingdings" panose="05000000000000000000" pitchFamily="2" charset="2"/>
+              </a:rPr>
+              <a:t>Pretrained</a:t>
+            </a:r>
+            <a:r>
+              <a:rPr lang="en-US" dirty="0">
+                <a:sym typeface="Wingdings" panose="05000000000000000000" pitchFamily="2" charset="2"/>
+              </a:rPr>
+              <a:t> models </a:t>
+            </a:r>
+            <a:r>
+              <a:rPr lang="en-US" dirty="0" smtClean="0">
+                <a:sym typeface="Wingdings" panose="05000000000000000000" pitchFamily="2" charset="2"/>
+              </a:rPr>
+              <a:t>Require large amounts of memory and computational resources</a:t>
+            </a:r>
+          </a:p>
+          <a:p>
+            <a:pPr lvl="1"/>
+            <a:endParaRPr lang="en-US" dirty="0"/>
+          </a:p>
+        </p:txBody>
+      </p:sp>
+      <p:sp>
+        <p:nvSpPr>
+          <p:cNvPr id="4" name="Foliennummernplatzhalter 3"/>
+          <p:cNvSpPr>
+            <a:spLocks noGrp="1"/>
+          </p:cNvSpPr>
+          <p:nvPr>
+            <p:ph type="sldNum" sz="quarter" idx="12"/>
+          </p:nvPr>
+        </p:nvSpPr>
+        <p:spPr/>
+        <p:txBody>
+          <a:bodyPr/>
+          <a:lstStyle/>
+          <a:p>
+            <a:fld id="{C9E0B00B-E6DF-4183-A694-3DE28BEFB357}" type="slidenum">
+              <a:rPr lang="en-US" smtClean="0"/>
+              <a:t>9</a:t>
+            </a:fld>
+            <a:endParaRPr lang="en-US"/>
+          </a:p>
+        </p:txBody>
+      </p:sp>
+    </p:spTree>
+    <p:extLst>
+      <p:ext uri="{BB962C8B-B14F-4D97-AF65-F5344CB8AC3E}">
+        <p14:creationId xmlns:p14="http://schemas.microsoft.com/office/powerpoint/2010/main" val="1522941898"/>
       </p:ext>
     </p:extLst>
   </p:cSld>
